--- a/Präsentation/Abschluss.pptx
+++ b/Präsentation/Abschluss.pptx
@@ -5,10 +5,10 @@
     <p:sldMasterId id="2147483676" r:id="rId1"/>
   </p:sldMasterIdLst>
   <p:notesMasterIdLst>
-    <p:notesMasterId r:id="rId7"/>
+    <p:notesMasterId r:id="rId8"/>
   </p:notesMasterIdLst>
   <p:handoutMasterIdLst>
-    <p:handoutMasterId r:id="rId8"/>
+    <p:handoutMasterId r:id="rId9"/>
   </p:handoutMasterIdLst>
   <p:sldIdLst>
     <p:sldId id="265" r:id="rId2"/>
@@ -16,6 +16,7 @@
     <p:sldId id="268" r:id="rId4"/>
     <p:sldId id="266" r:id="rId5"/>
     <p:sldId id="267" r:id="rId6"/>
+    <p:sldId id="269" r:id="rId7"/>
   </p:sldIdLst>
   <p:sldSz cx="9144000" cy="6858000" type="screen4x3"/>
   <p:notesSz cx="6858000" cy="9144000"/>
@@ -1018,10 +1019,14 @@
         <a:lstStyle/>
         <a:p>
           <a:r>
-            <a:rPr lang="de-DE" sz="2000" dirty="0" smtClean="0"/>
+            <a:rPr lang="de-DE" sz="2000" dirty="0" smtClean="0">
+              <a:latin typeface="Calibri" panose="020F0502020204030204" pitchFamily="34" charset="0"/>
+            </a:rPr>
             <a:t>64 Tests decken weite Teile des Codes ab</a:t>
           </a:r>
-          <a:endParaRPr lang="de-DE" sz="2000" dirty="0"/>
+          <a:endParaRPr lang="de-DE" sz="2000" dirty="0">
+            <a:latin typeface="Calibri" panose="020F0502020204030204" pitchFamily="34" charset="0"/>
+          </a:endParaRPr>
         </a:p>
       </dgm:t>
     </dgm:pt>
@@ -1092,10 +1097,14 @@
         <a:lstStyle/>
         <a:p>
           <a:r>
-            <a:rPr lang="de-DE" sz="2000" dirty="0" smtClean="0"/>
+            <a:rPr lang="de-DE" sz="2000" dirty="0" smtClean="0">
+              <a:latin typeface="Calibri" panose="020F0502020204030204" pitchFamily="34" charset="0"/>
+            </a:rPr>
             <a:t>5 umfangreiche Integrationstests </a:t>
           </a:r>
-          <a:endParaRPr lang="de-DE" sz="2000" dirty="0"/>
+          <a:endParaRPr lang="de-DE" sz="2000" dirty="0">
+            <a:latin typeface="Calibri" panose="020F0502020204030204" pitchFamily="34" charset="0"/>
+          </a:endParaRPr>
         </a:p>
       </dgm:t>
     </dgm:pt>
@@ -1122,17 +1131,17 @@
       </dgm:t>
     </dgm:pt>
     <dgm:pt modelId="{5A6CA812-D5C4-4569-8781-33B968646D42}">
-      <dgm:prSet phldrT="[Text]" custT="1"/>
+      <dgm:prSet phldrT="[Text]"/>
       <dgm:spPr/>
       <dgm:t>
         <a:bodyPr/>
         <a:lstStyle/>
         <a:p>
           <a:r>
-            <a:rPr lang="de-DE" sz="2200" b="1" dirty="0" smtClean="0"/>
-            <a:t>Produktiveinsatz in realem System</a:t>
+            <a:rPr lang="de-DE" b="1" dirty="0" smtClean="0"/>
+            <a:t>Produktiveinsatz am IPR</a:t>
           </a:r>
-          <a:endParaRPr lang="de-DE" sz="2200" b="1" dirty="0"/>
+          <a:endParaRPr lang="de-DE" b="1" dirty="0"/>
         </a:p>
       </dgm:t>
     </dgm:pt>
@@ -1159,13 +1168,21 @@
       </dgm:t>
     </dgm:pt>
     <dgm:pt modelId="{3D5BCB20-E9B9-4540-83C5-106CCE43F577}">
-      <dgm:prSet phldrT="[Text]" phldr="1"/>
+      <dgm:prSet phldrT="[Text]"/>
       <dgm:spPr/>
       <dgm:t>
         <a:bodyPr/>
         <a:lstStyle/>
         <a:p>
-          <a:endParaRPr lang="de-DE" dirty="0"/>
+          <a:r>
+            <a:rPr lang="de-DE" dirty="0" smtClean="0">
+              <a:latin typeface="Calibri" panose="020F0502020204030204" pitchFamily="34" charset="0"/>
+            </a:rPr>
+            <a:t>2 Wochen Betrieb an laufenden Systemen inkl. hoher Last und </a:t>
+          </a:r>
+          <a:endParaRPr lang="de-DE" dirty="0">
+            <a:latin typeface="Calibri" panose="020F0502020204030204" pitchFamily="34" charset="0"/>
+          </a:endParaRPr>
         </a:p>
       </dgm:t>
     </dgm:pt>
@@ -1203,7 +1220,7 @@
       <dgm:spPr/>
     </dgm:pt>
     <dgm:pt modelId="{1F50340C-14F6-4354-8495-EDF950C4DE19}" type="pres">
-      <dgm:prSet presAssocID="{632C20CC-2796-49A0-B4C4-8893FFF45ABC}" presName="parentText1" presStyleLbl="node1" presStyleIdx="0" presStyleCnt="3">
+      <dgm:prSet presAssocID="{632C20CC-2796-49A0-B4C4-8893FFF45ABC}" presName="parentText1" presStyleLbl="node1" presStyleIdx="0" presStyleCnt="3" custLinFactNeighborX="1809">
         <dgm:presLayoutVars>
           <dgm:chMax/>
           <dgm:chPref val="3"/>
@@ -1213,7 +1230,7 @@
       <dgm:spPr/>
     </dgm:pt>
     <dgm:pt modelId="{FB60094E-AFD1-48C2-A725-6CADFF010833}" type="pres">
-      <dgm:prSet presAssocID="{632C20CC-2796-49A0-B4C4-8893FFF45ABC}" presName="childText1" presStyleLbl="solidAlignAcc1" presStyleIdx="0" presStyleCnt="3">
+      <dgm:prSet presAssocID="{632C20CC-2796-49A0-B4C4-8893FFF45ABC}" presName="childText1" presStyleLbl="solidAlignAcc1" presStyleIdx="0" presStyleCnt="3" custScaleX="89899" custScaleY="140774" custLinFactNeighborX="-515" custLinFactNeighborY="21382">
         <dgm:presLayoutVars>
           <dgm:chMax val="0"/>
           <dgm:chPref val="0"/>
@@ -1223,7 +1240,7 @@
       <dgm:spPr/>
     </dgm:pt>
     <dgm:pt modelId="{5C009BEF-9AE1-44F8-9498-086E41BE914F}" type="pres">
-      <dgm:prSet presAssocID="{ECA0B6BB-25B2-4239-BE39-F5E25E778B31}" presName="parentText2" presStyleLbl="node1" presStyleIdx="1" presStyleCnt="3">
+      <dgm:prSet presAssocID="{ECA0B6BB-25B2-4239-BE39-F5E25E778B31}" presName="parentText2" presStyleLbl="node1" presStyleIdx="1" presStyleCnt="3" custScaleX="103560" custLinFactNeighborX="834">
         <dgm:presLayoutVars>
           <dgm:chMax/>
           <dgm:chPref val="3"/>
@@ -1240,7 +1257,7 @@
       </dgm:t>
     </dgm:pt>
     <dgm:pt modelId="{84D26449-79F3-4D82-99BB-08373A2D32AE}" type="pres">
-      <dgm:prSet presAssocID="{ECA0B6BB-25B2-4239-BE39-F5E25E778B31}" presName="childText2" presStyleLbl="solidAlignAcc1" presStyleIdx="1" presStyleCnt="3" custScaleX="82101" custLinFactNeighborX="-8313" custLinFactNeighborY="-1557">
+      <dgm:prSet presAssocID="{ECA0B6BB-25B2-4239-BE39-F5E25E778B31}" presName="childText2" presStyleLbl="solidAlignAcc1" presStyleIdx="1" presStyleCnt="3" custScaleX="82101" custScaleY="119522" custLinFactNeighborX="-12538" custLinFactNeighborY="13839">
         <dgm:presLayoutVars>
           <dgm:chMax val="0"/>
           <dgm:chPref val="0"/>
@@ -1257,7 +1274,7 @@
       </dgm:t>
     </dgm:pt>
     <dgm:pt modelId="{D952B32A-5CA3-48FB-90D3-149C86DD28E1}" type="pres">
-      <dgm:prSet presAssocID="{5A6CA812-D5C4-4569-8781-33B968646D42}" presName="parentText3" presStyleLbl="node1" presStyleIdx="2" presStyleCnt="3" custScaleX="115740" custScaleY="120884" custLinFactNeighborX="-5476" custLinFactNeighborY="5757">
+      <dgm:prSet presAssocID="{5A6CA812-D5C4-4569-8781-33B968646D42}" presName="parentText3" presStyleLbl="node1" presStyleIdx="2" presStyleCnt="3" custScaleX="115740" custScaleY="120884" custLinFactNeighborX="-7915" custLinFactNeighborY="5757">
         <dgm:presLayoutVars>
           <dgm:chMax/>
           <dgm:chPref val="3"/>
@@ -1274,7 +1291,7 @@
       </dgm:t>
     </dgm:pt>
     <dgm:pt modelId="{EADE1234-9DA3-44BA-A34F-9DD574CC60AC}" type="pres">
-      <dgm:prSet presAssocID="{5A6CA812-D5C4-4569-8781-33B968646D42}" presName="childText3" presStyleLbl="solidAlignAcc1" presStyleIdx="2" presStyleCnt="3" custLinFactNeighborX="-16639" custLinFactNeighborY="3855">
+      <dgm:prSet presAssocID="{5A6CA812-D5C4-4569-8781-33B968646D42}" presName="childText3" presStyleLbl="solidAlignAcc1" presStyleIdx="2" presStyleCnt="3" custScaleX="106592" custLinFactNeighborX="-16489" custLinFactNeighborY="7938">
         <dgm:presLayoutVars>
           <dgm:chMax val="0"/>
           <dgm:chPref val="0"/>
@@ -1282,6 +1299,13 @@
         </dgm:presLayoutVars>
       </dgm:prSet>
       <dgm:spPr/>
+      <dgm:t>
+        <a:bodyPr/>
+        <a:lstStyle/>
+        <a:p>
+          <a:endParaRPr lang="de-DE"/>
+        </a:p>
+      </dgm:t>
     </dgm:pt>
   </dgm:ptLst>
   <dgm:cxnLst>
@@ -1330,8 +1354,8 @@
       </dsp:nvSpPr>
       <dsp:spPr>
         <a:xfrm>
-          <a:off x="-99605" y="625873"/>
-          <a:ext cx="8157452" cy="1188035"/>
+          <a:off x="0" y="590557"/>
+          <a:ext cx="8347641" cy="1215734"/>
         </a:xfrm>
         <a:prstGeom prst="rightArrow">
           <a:avLst>
@@ -1407,7 +1431,7 @@
         </a:fontRef>
       </dsp:style>
       <dsp:txBody>
-        <a:bodyPr spcFirstLastPara="0" vert="horz" wrap="square" lIns="83820" tIns="83820" rIns="254000" bIns="188601" numCol="1" spcCol="1270" anchor="ctr" anchorCtr="0">
+        <a:bodyPr spcFirstLastPara="0" vert="horz" wrap="square" lIns="83820" tIns="83820" rIns="254000" bIns="192998" numCol="1" spcCol="1270" anchor="ctr" anchorCtr="0">
           <a:noAutofit/>
         </a:bodyPr>
         <a:lstStyle/>
@@ -1431,8 +1455,8 @@
         </a:p>
       </dsp:txBody>
       <dsp:txXfrm>
-        <a:off x="-99605" y="922882"/>
-        <a:ext cx="7860443" cy="594017"/>
+        <a:off x="0" y="894491"/>
+        <a:ext cx="8043708" cy="607867"/>
       </dsp:txXfrm>
     </dsp:sp>
     <dsp:sp modelId="{FB60094E-AFD1-48C2-A725-6CADFF010833}">
@@ -1442,8 +1466,8 @@
       </dsp:nvSpPr>
       <dsp:spPr>
         <a:xfrm>
-          <a:off x="-99605" y="1542020"/>
-          <a:ext cx="2512495" cy="2288594"/>
+          <a:off x="0" y="1551366"/>
+          <a:ext cx="2311369" cy="3296860"/>
         </a:xfrm>
         <a:prstGeom prst="rect">
           <a:avLst/>
@@ -1499,15 +1523,19 @@
             </a:spcAft>
           </a:pPr>
           <a:r>
-            <a:rPr lang="de-DE" sz="2000" kern="1200" dirty="0" smtClean="0"/>
+            <a:rPr lang="de-DE" sz="2000" kern="1200" dirty="0" smtClean="0">
+              <a:latin typeface="Calibri" panose="020F0502020204030204" pitchFamily="34" charset="0"/>
+            </a:rPr>
             <a:t>64 Tests decken weite Teile des Codes ab</a:t>
           </a:r>
-          <a:endParaRPr lang="de-DE" sz="2000" kern="1200" dirty="0"/>
+          <a:endParaRPr lang="de-DE" sz="2000" kern="1200" dirty="0">
+            <a:latin typeface="Calibri" panose="020F0502020204030204" pitchFamily="34" charset="0"/>
+          </a:endParaRPr>
         </a:p>
       </dsp:txBody>
       <dsp:txXfrm>
-        <a:off x="-99605" y="1542020"/>
-        <a:ext cx="2512495" cy="2288594"/>
+        <a:off x="0" y="1551366"/>
+        <a:ext cx="2311369" cy="3296860"/>
       </dsp:txXfrm>
     </dsp:sp>
     <dsp:sp modelId="{5C009BEF-9AE1-44F8-9498-086E41BE914F}">
@@ -1517,8 +1545,8 @@
       </dsp:nvSpPr>
       <dsp:spPr>
         <a:xfrm>
-          <a:off x="2412889" y="1021885"/>
-          <a:ext cx="5644957" cy="1188035"/>
+          <a:off x="2365427" y="995802"/>
+          <a:ext cx="5982213" cy="1215734"/>
         </a:xfrm>
         <a:prstGeom prst="rightArrow">
           <a:avLst>
@@ -1594,7 +1622,7 @@
         </a:fontRef>
       </dsp:style>
       <dsp:txBody>
-        <a:bodyPr spcFirstLastPara="0" vert="horz" wrap="square" lIns="83820" tIns="83820" rIns="254000" bIns="188601" numCol="1" spcCol="1270" anchor="ctr" anchorCtr="0">
+        <a:bodyPr spcFirstLastPara="0" vert="horz" wrap="square" lIns="83820" tIns="83820" rIns="254000" bIns="192998" numCol="1" spcCol="1270" anchor="ctr" anchorCtr="0">
           <a:noAutofit/>
         </a:bodyPr>
         <a:lstStyle/>
@@ -1618,8 +1646,8 @@
         </a:p>
       </dsp:txBody>
       <dsp:txXfrm>
-        <a:off x="2412889" y="1318894"/>
-        <a:ext cx="5347948" cy="594017"/>
+        <a:off x="2365427" y="1299736"/>
+        <a:ext cx="5678280" cy="607867"/>
       </dsp:txXfrm>
     </dsp:sp>
     <dsp:sp modelId="{84D26449-79F3-4D82-99BB-08373A2D32AE}">
@@ -1629,8 +1657,8 @@
       </dsp:nvSpPr>
       <dsp:spPr>
         <a:xfrm>
-          <a:off x="2428881" y="1902399"/>
-          <a:ext cx="2062783" cy="2288594"/>
+          <a:off x="2352674" y="2028814"/>
+          <a:ext cx="2110876" cy="2799148"/>
         </a:xfrm>
         <a:prstGeom prst="rect">
           <a:avLst/>
@@ -1686,15 +1714,19 @@
             </a:spcAft>
           </a:pPr>
           <a:r>
-            <a:rPr lang="de-DE" sz="2000" kern="1200" dirty="0" smtClean="0"/>
+            <a:rPr lang="de-DE" sz="2000" kern="1200" dirty="0" smtClean="0">
+              <a:latin typeface="Calibri" panose="020F0502020204030204" pitchFamily="34" charset="0"/>
+            </a:rPr>
             <a:t>5 umfangreiche Integrationstests </a:t>
           </a:r>
-          <a:endParaRPr lang="de-DE" sz="2000" kern="1200" dirty="0"/>
+          <a:endParaRPr lang="de-DE" sz="2000" kern="1200" dirty="0">
+            <a:latin typeface="Calibri" panose="020F0502020204030204" pitchFamily="34" charset="0"/>
+          </a:endParaRPr>
         </a:p>
       </dsp:txBody>
       <dsp:txXfrm>
-        <a:off x="2428881" y="1902399"/>
-        <a:ext cx="2062783" cy="2288594"/>
+        <a:off x="2352674" y="2028814"/>
+        <a:ext cx="2110876" cy="2799148"/>
       </dsp:txXfrm>
     </dsp:sp>
     <dsp:sp modelId="{D952B32A-5CA3-48FB-90D3-149C86DD28E1}">
@@ -1704,8 +1736,8 @@
       </dsp:nvSpPr>
       <dsp:spPr>
         <a:xfrm>
-          <a:off x="4507326" y="1362237"/>
-          <a:ext cx="3625511" cy="1436145"/>
+          <a:off x="4510023" y="1344090"/>
+          <a:ext cx="3710038" cy="1469628"/>
         </a:xfrm>
         <a:prstGeom prst="rightArrow">
           <a:avLst>
@@ -1781,12 +1813,12 @@
         </a:fontRef>
       </dsp:style>
       <dsp:txBody>
-        <a:bodyPr spcFirstLastPara="0" vert="horz" wrap="square" lIns="83820" tIns="83820" rIns="254000" bIns="188601" numCol="1" spcCol="1270" anchor="ctr" anchorCtr="0">
+        <a:bodyPr spcFirstLastPara="0" vert="horz" wrap="square" lIns="76200" tIns="76200" rIns="254000" bIns="192998" numCol="1" spcCol="1270" anchor="ctr" anchorCtr="0">
           <a:noAutofit/>
         </a:bodyPr>
         <a:lstStyle/>
         <a:p>
-          <a:pPr lvl="0" algn="l" defTabSz="977900">
+          <a:pPr lvl="0" algn="l" defTabSz="889000">
             <a:lnSpc>
               <a:spcPct val="90000"/>
             </a:lnSpc>
@@ -1798,15 +1830,15 @@
             </a:spcAft>
           </a:pPr>
           <a:r>
-            <a:rPr lang="de-DE" sz="2200" b="1" kern="1200" dirty="0" smtClean="0"/>
-            <a:t>Produktiveinsatz in realem System</a:t>
+            <a:rPr lang="de-DE" sz="2000" b="1" kern="1200" dirty="0" smtClean="0"/>
+            <a:t>Produktiveinsatz am IPR</a:t>
           </a:r>
-          <a:endParaRPr lang="de-DE" sz="2200" b="1" kern="1200" dirty="0"/>
+          <a:endParaRPr lang="de-DE" sz="2000" b="1" kern="1200" dirty="0"/>
         </a:p>
       </dsp:txBody>
       <dsp:txXfrm>
-        <a:off x="4507326" y="1721273"/>
-        <a:ext cx="3266475" cy="718073"/>
+        <a:off x="4510023" y="1711497"/>
+        <a:ext cx="3342631" cy="734814"/>
       </dsp:txXfrm>
     </dsp:sp>
     <dsp:sp modelId="{EADE1234-9DA3-44BA-A34F-9DD574CC60AC}">
@@ -1816,8 +1848,8 @@
       </dsp:nvSpPr>
       <dsp:spPr>
         <a:xfrm>
-          <a:off x="4507331" y="2420978"/>
-          <a:ext cx="2512495" cy="2255101"/>
+          <a:off x="4507323" y="2521737"/>
+          <a:ext cx="2740558" cy="2307677"/>
         </a:xfrm>
         <a:prstGeom prst="rect">
           <a:avLst/>
@@ -1856,12 +1888,12 @@
         <a:fontRef idx="minor"/>
       </dsp:style>
       <dsp:txBody>
-        <a:bodyPr spcFirstLastPara="0" vert="horz" wrap="square" lIns="247650" tIns="247650" rIns="247650" bIns="247650" numCol="1" spcCol="1270" anchor="t" anchorCtr="0">
+        <a:bodyPr spcFirstLastPara="0" vert="horz" wrap="square" lIns="76200" tIns="76200" rIns="76200" bIns="76200" numCol="1" spcCol="1270" anchor="t" anchorCtr="0">
           <a:noAutofit/>
         </a:bodyPr>
         <a:lstStyle/>
         <a:p>
-          <a:pPr lvl="0" algn="l" defTabSz="2889250">
+          <a:pPr lvl="0" algn="l" defTabSz="889000">
             <a:lnSpc>
               <a:spcPct val="90000"/>
             </a:lnSpc>
@@ -1872,12 +1904,20 @@
               <a:spcPct val="35000"/>
             </a:spcAft>
           </a:pPr>
-          <a:endParaRPr lang="de-DE" sz="6500" kern="1200" dirty="0"/>
+          <a:r>
+            <a:rPr lang="de-DE" sz="2000" kern="1200" dirty="0" smtClean="0">
+              <a:latin typeface="Calibri" panose="020F0502020204030204" pitchFamily="34" charset="0"/>
+            </a:rPr>
+            <a:t>2 Wochen Betrieb an laufenden Systemen inkl. hoher Last und </a:t>
+          </a:r>
+          <a:endParaRPr lang="de-DE" sz="2000" kern="1200" dirty="0">
+            <a:latin typeface="Calibri" panose="020F0502020204030204" pitchFamily="34" charset="0"/>
+          </a:endParaRPr>
         </a:p>
       </dsp:txBody>
       <dsp:txXfrm>
-        <a:off x="4507331" y="2420978"/>
-        <a:ext cx="2512495" cy="2255101"/>
+        <a:off x="4507323" y="2521737"/>
+        <a:ext cx="2740558" cy="2307677"/>
       </dsp:txXfrm>
     </dsp:sp>
   </dsp:spTree>
@@ -6367,6 +6407,265 @@
 </p:notes>
 </file>
 
+<file path=ppt/notesSlides/notesSlide6.xml><?xml version="1.0" encoding="utf-8"?>
+<p:notes xmlns:a="http://schemas.openxmlformats.org/drawingml/2006/main" xmlns:r="http://schemas.openxmlformats.org/officeDocument/2006/relationships" xmlns:p="http://schemas.openxmlformats.org/presentationml/2006/main">
+  <p:cSld>
+    <p:spTree>
+      <p:nvGrpSpPr>
+        <p:cNvPr id="1" name=""/>
+        <p:cNvGrpSpPr/>
+        <p:nvPr/>
+      </p:nvGrpSpPr>
+      <p:grpSpPr>
+        <a:xfrm>
+          <a:off x="0" y="0"/>
+          <a:ext cx="0" cy="0"/>
+          <a:chOff x="0" y="0"/>
+          <a:chExt cx="0" cy="0"/>
+        </a:xfrm>
+      </p:grpSpPr>
+      <p:sp>
+        <p:nvSpPr>
+          <p:cNvPr id="2" name="Folienbildplatzhalter 1"/>
+          <p:cNvSpPr>
+            <a:spLocks noGrp="1" noRot="1" noChangeAspect="1"/>
+          </p:cNvSpPr>
+          <p:nvPr>
+            <p:ph type="sldImg"/>
+          </p:nvPr>
+        </p:nvSpPr>
+        <p:spPr/>
+      </p:sp>
+      <p:sp>
+        <p:nvSpPr>
+          <p:cNvPr id="3" name="Notizenplatzhalter 2"/>
+          <p:cNvSpPr>
+            <a:spLocks noGrp="1"/>
+          </p:cNvSpPr>
+          <p:nvPr>
+            <p:ph type="body" idx="1"/>
+          </p:nvPr>
+        </p:nvSpPr>
+        <p:spPr/>
+        <p:txBody>
+          <a:bodyPr>
+            <a:normAutofit/>
+          </a:bodyPr>
+          <a:lstStyle/>
+          <a:p>
+            <a:r>
+              <a:rPr lang="en-GB" baseline="0" dirty="0" smtClean="0"/>
+              <a:t>Das </a:t>
+            </a:r>
+            <a:r>
+              <a:rPr lang="en-GB" baseline="0" dirty="0" err="1" smtClean="0"/>
+              <a:t>aktuelle</a:t>
+            </a:r>
+            <a:r>
+              <a:rPr lang="en-GB" baseline="0" dirty="0" smtClean="0"/>
+              <a:t> </a:t>
+            </a:r>
+            <a:r>
+              <a:rPr lang="en-GB" baseline="0" dirty="0" err="1" smtClean="0"/>
+              <a:t>Kapitel</a:t>
+            </a:r>
+            <a:r>
+              <a:rPr lang="en-GB" baseline="0" dirty="0" smtClean="0"/>
+              <a:t> </a:t>
+            </a:r>
+            <a:r>
+              <a:rPr lang="en-GB" baseline="0" dirty="0" err="1" smtClean="0"/>
+              <a:t>sollte</a:t>
+            </a:r>
+            <a:r>
+              <a:rPr lang="en-GB" baseline="0" dirty="0" smtClean="0"/>
+              <a:t> </a:t>
+            </a:r>
+            <a:r>
+              <a:rPr lang="en-GB" baseline="0" dirty="0" err="1" smtClean="0"/>
+              <a:t>fettgedruckt</a:t>
+            </a:r>
+            <a:r>
+              <a:rPr lang="en-GB" baseline="0" dirty="0" smtClean="0"/>
+              <a:t> </a:t>
+            </a:r>
+            <a:r>
+              <a:rPr lang="en-GB" baseline="0" dirty="0" err="1" smtClean="0"/>
+              <a:t>werden</a:t>
+            </a:r>
+            <a:r>
+              <a:rPr lang="en-GB" baseline="0" dirty="0" smtClean="0"/>
+              <a:t>. Den </a:t>
+            </a:r>
+            <a:r>
+              <a:rPr lang="en-GB" baseline="0" dirty="0" err="1" smtClean="0"/>
+              <a:t>Abstand</a:t>
+            </a:r>
+            <a:r>
+              <a:rPr lang="en-GB" baseline="0" dirty="0" smtClean="0"/>
+              <a:t> </a:t>
+            </a:r>
+            <a:r>
+              <a:rPr lang="en-GB" baseline="0" dirty="0" err="1" smtClean="0"/>
+              <a:t>der</a:t>
+            </a:r>
+            <a:r>
+              <a:rPr lang="en-GB" baseline="0" dirty="0" smtClean="0"/>
+              <a:t> </a:t>
+            </a:r>
+            <a:r>
+              <a:rPr lang="en-GB" baseline="0" dirty="0" err="1" smtClean="0"/>
+              <a:t>Worte</a:t>
+            </a:r>
+            <a:r>
+              <a:rPr lang="en-GB" baseline="0" dirty="0" smtClean="0"/>
+              <a:t> </a:t>
+            </a:r>
+            <a:r>
+              <a:rPr lang="en-GB" baseline="0" dirty="0" err="1" smtClean="0"/>
+              <a:t>kann</a:t>
+            </a:r>
+            <a:r>
+              <a:rPr lang="en-GB" baseline="0" dirty="0" smtClean="0"/>
+              <a:t> man gut in PowerPoint an </a:t>
+            </a:r>
+            <a:r>
+              <a:rPr lang="en-GB" baseline="0" dirty="0" err="1" smtClean="0"/>
+              <a:t>andere</a:t>
+            </a:r>
+            <a:r>
+              <a:rPr lang="en-GB" baseline="0" dirty="0" smtClean="0"/>
+              <a:t> </a:t>
+            </a:r>
+            <a:r>
+              <a:rPr lang="en-GB" baseline="0" dirty="0" err="1" smtClean="0"/>
+              <a:t>Wortlängen</a:t>
+            </a:r>
+            <a:r>
+              <a:rPr lang="en-GB" baseline="0" dirty="0" smtClean="0"/>
+              <a:t> </a:t>
+            </a:r>
+            <a:r>
+              <a:rPr lang="en-GB" baseline="0" dirty="0" err="1" smtClean="0"/>
+              <a:t>anpassen</a:t>
+            </a:r>
+            <a:r>
+              <a:rPr lang="en-GB" baseline="0" dirty="0" smtClean="0"/>
+              <a:t>, </a:t>
+            </a:r>
+            <a:r>
+              <a:rPr lang="en-GB" baseline="0" dirty="0" err="1" smtClean="0"/>
+              <a:t>dazu</a:t>
+            </a:r>
+            <a:r>
+              <a:rPr lang="en-GB" baseline="0" dirty="0" smtClean="0"/>
+              <a:t> </a:t>
+            </a:r>
+            <a:r>
+              <a:rPr lang="en-GB" baseline="0" dirty="0" err="1" smtClean="0"/>
+              <a:t>alle</a:t>
+            </a:r>
+            <a:r>
+              <a:rPr lang="en-GB" baseline="0" dirty="0" smtClean="0"/>
+              <a:t> </a:t>
+            </a:r>
+            <a:r>
+              <a:rPr lang="en-GB" baseline="0" dirty="0" err="1" smtClean="0"/>
+              <a:t>Worte</a:t>
+            </a:r>
+            <a:r>
+              <a:rPr lang="en-GB" baseline="0" dirty="0" smtClean="0"/>
+              <a:t> und die </a:t>
+            </a:r>
+            <a:r>
+              <a:rPr lang="en-GB" baseline="0" dirty="0" err="1" smtClean="0"/>
+              <a:t>Pfeile</a:t>
+            </a:r>
+            <a:r>
+              <a:rPr lang="en-GB" baseline="0" dirty="0" smtClean="0"/>
+              <a:t> </a:t>
+            </a:r>
+            <a:r>
+              <a:rPr lang="en-GB" baseline="0" dirty="0" err="1" smtClean="0"/>
+              <a:t>markieren</a:t>
+            </a:r>
+            <a:r>
+              <a:rPr lang="en-GB" baseline="0" dirty="0" smtClean="0"/>
+              <a:t> und “</a:t>
+            </a:r>
+            <a:r>
+              <a:rPr lang="en-GB" baseline="0" dirty="0" err="1" smtClean="0"/>
+              <a:t>Anordnen</a:t>
+            </a:r>
+            <a:r>
+              <a:rPr lang="en-GB" baseline="0" dirty="0" smtClean="0"/>
+              <a:t> -&gt; </a:t>
+            </a:r>
+            <a:r>
+              <a:rPr lang="en-GB" baseline="0" dirty="0" err="1" smtClean="0"/>
+              <a:t>Ausrichten</a:t>
+            </a:r>
+            <a:r>
+              <a:rPr lang="en-GB" baseline="0" dirty="0" smtClean="0"/>
+              <a:t> -&gt; Horizontal </a:t>
+            </a:r>
+            <a:r>
+              <a:rPr lang="en-GB" baseline="0" dirty="0" err="1" smtClean="0"/>
+              <a:t>verteilen</a:t>
+            </a:r>
+            <a:r>
+              <a:rPr lang="en-GB" baseline="0" dirty="0" smtClean="0"/>
+              <a:t>”  </a:t>
+            </a:r>
+            <a:r>
+              <a:rPr lang="en-GB" baseline="0" dirty="0" err="1" smtClean="0"/>
+              <a:t>auswählen</a:t>
+            </a:r>
+            <a:r>
+              <a:rPr lang="en-GB" baseline="0" dirty="0" smtClean="0"/>
+              <a:t> (PowerPoint2007). </a:t>
+            </a:r>
+            <a:endParaRPr lang="en-GB" dirty="0"/>
+          </a:p>
+        </p:txBody>
+      </p:sp>
+      <p:sp>
+        <p:nvSpPr>
+          <p:cNvPr id="4" name="Foliennummernplatzhalter 3"/>
+          <p:cNvSpPr>
+            <a:spLocks noGrp="1"/>
+          </p:cNvSpPr>
+          <p:nvPr>
+            <p:ph type="sldNum" sz="quarter" idx="10"/>
+          </p:nvPr>
+        </p:nvSpPr>
+        <p:spPr/>
+        <p:txBody>
+          <a:bodyPr/>
+          <a:lstStyle/>
+          <a:p>
+            <a:fld id="{74ACB795-123D-4B41-ABB8-5412373C4490}" type="slidenum">
+              <a:rPr lang="en-GB" smtClean="0"/>
+              <a:pPr/>
+              <a:t>6</a:t>
+            </a:fld>
+            <a:endParaRPr lang="en-GB"/>
+          </a:p>
+        </p:txBody>
+      </p:sp>
+    </p:spTree>
+    <p:extLst>
+      <p:ext uri="{BB962C8B-B14F-4D97-AF65-F5344CB8AC3E}">
+        <p14:creationId xmlns:p14="http://schemas.microsoft.com/office/powerpoint/2010/main" val="230650053"/>
+      </p:ext>
+    </p:extLst>
+  </p:cSld>
+  <p:clrMapOvr>
+    <a:masterClrMapping/>
+  </p:clrMapOvr>
+</p:notes>
+</file>
+
 <file path=ppt/slideLayouts/slideLayout1.xml><?xml version="1.0" encoding="utf-8"?>
 <p:sldLayout xmlns:a="http://schemas.openxmlformats.org/drawingml/2006/main" xmlns:r="http://schemas.openxmlformats.org/officeDocument/2006/relationships" xmlns:p="http://schemas.openxmlformats.org/presentationml/2006/main" showMasterSp="0" type="title" preserve="1">
   <p:cSld name="Titelfolie">
@@ -9514,7 +9813,12 @@
             <p:ph idx="1"/>
           </p:nvPr>
         </p:nvSpPr>
-        <p:spPr/>
+        <p:spPr>
+          <a:xfrm>
+            <a:off x="392113" y="1198563"/>
+            <a:ext cx="8356600" cy="3449637"/>
+          </a:xfrm>
+        </p:spPr>
         <p:txBody>
           <a:bodyPr/>
           <a:lstStyle/>
@@ -9529,7 +9833,19 @@
             </a:r>
             <a:r>
               <a:rPr lang="de-DE" dirty="0" smtClean="0"/>
-              <a:t> gefunden</a:t>
+              <a:t> </a:t>
+            </a:r>
+            <a:r>
+              <a:rPr lang="de-DE" u="sng" dirty="0" smtClean="0"/>
+              <a:t>gefunden</a:t>
+            </a:r>
+            <a:r>
+              <a:rPr lang="de-DE" dirty="0" smtClean="0"/>
+              <a:t> </a:t>
+            </a:r>
+            <a:r>
+              <a:rPr lang="de-DE" baseline="30000" dirty="0" smtClean="0"/>
+              <a:t>1</a:t>
             </a:r>
           </a:p>
           <a:p>
@@ -9569,7 +9885,15 @@
           <a:p>
             <a:r>
               <a:rPr lang="de-DE" dirty="0" smtClean="0"/>
-              <a:t>Schlecht dokumentierte API von </a:t>
+              <a:t>Schlecht dokumentierte </a:t>
+            </a:r>
+            <a:r>
+              <a:rPr lang="de-DE" dirty="0" err="1" smtClean="0"/>
+              <a:t>API‘s</a:t>
+            </a:r>
+            <a:r>
+              <a:rPr lang="de-DE" dirty="0" smtClean="0"/>
+              <a:t> z.B. </a:t>
             </a:r>
             <a:r>
               <a:rPr lang="de-DE" dirty="0" err="1" smtClean="0"/>
@@ -9577,10 +9901,23 @@
             </a:r>
             <a:r>
               <a:rPr lang="de-DE" dirty="0" smtClean="0"/>
-              <a:t> (wichtige Funktionen nicht aufgeführt)</a:t>
-            </a:r>
+              <a:t> </a:t>
+            </a:r>
+            <a:r>
+              <a:rPr lang="de-DE" sz="1800" dirty="0" smtClean="0"/>
+              <a:t>(Funktionen nicht aufgeführt ode</a:t>
+            </a:r>
+            <a:r>
+              <a:rPr lang="de-DE" sz="1800" dirty="0" smtClean="0"/>
+              <a:t>r Funktionsweise unzureichend erklärt)</a:t>
+            </a:r>
+            <a:endParaRPr lang="de-DE" sz="1800" dirty="0" smtClean="0"/>
           </a:p>
           <a:p>
+            <a:r>
+              <a:rPr lang="de-DE" dirty="0" smtClean="0"/>
+              <a:t>Python 3 Features benötigt, aber Python 2 verwendet</a:t>
+            </a:r>
             <a:endParaRPr lang="de-DE" dirty="0"/>
           </a:p>
         </p:txBody>
@@ -10140,6 +10477,63 @@
           </p:txBody>
         </p:sp>
       </p:grpSp>
+      <p:sp>
+        <p:nvSpPr>
+          <p:cNvPr id="6" name="Textfeld 5"/>
+          <p:cNvSpPr txBox="1"/>
+          <p:nvPr/>
+        </p:nvSpPr>
+        <p:spPr>
+          <a:xfrm>
+            <a:off x="560270" y="5388878"/>
+            <a:ext cx="8358188" cy="369332"/>
+          </a:xfrm>
+          <a:prstGeom prst="rect">
+            <a:avLst/>
+          </a:prstGeom>
+          <a:noFill/>
+        </p:spPr>
+        <p:txBody>
+          <a:bodyPr wrap="square" rtlCol="0">
+            <a:spAutoFit/>
+          </a:bodyPr>
+          <a:lstStyle/>
+          <a:p>
+            <a:r>
+              <a:rPr lang="de-DE" baseline="30000" dirty="0"/>
+              <a:t>1</a:t>
+            </a:r>
+            <a:r>
+              <a:rPr lang="de-DE" dirty="0" smtClean="0"/>
+              <a:t> </a:t>
+            </a:r>
+            <a:r>
+              <a:rPr lang="de-DE" dirty="0" err="1" smtClean="0"/>
+              <a:t>u.A.</a:t>
+            </a:r>
+            <a:r>
+              <a:rPr lang="de-DE" dirty="0"/>
+              <a:t> </a:t>
+            </a:r>
+            <a:r>
+              <a:rPr lang="de-DE" dirty="0">
+                <a:hlinkClick r:id="rId3"/>
+              </a:rPr>
+              <a:t>https://</a:t>
+            </a:r>
+            <a:r>
+              <a:rPr lang="de-DE" dirty="0" smtClean="0">
+                <a:hlinkClick r:id="rId3"/>
+              </a:rPr>
+              <a:t>github.com/ros/ros_comm/issues/501</a:t>
+            </a:r>
+            <a:r>
+              <a:rPr lang="de-DE" dirty="0" smtClean="0"/>
+              <a:t>wwwwaaadw</a:t>
+            </a:r>
+          </a:p>
+        </p:txBody>
+      </p:sp>
     </p:spTree>
     <p:extLst>
       <p:ext uri="{BB962C8B-B14F-4D97-AF65-F5344CB8AC3E}">
@@ -10217,7 +10611,7 @@
           <a:p>
             <a:r>
               <a:rPr lang="de-DE" dirty="0" smtClean="0"/>
-              <a:t>5000 Lines </a:t>
+              <a:t>5895 Lines </a:t>
             </a:r>
             <a:r>
               <a:rPr lang="de-DE" dirty="0" err="1" smtClean="0"/>
@@ -10225,14 +10619,34 @@
             </a:r>
             <a:r>
               <a:rPr lang="de-DE" dirty="0" smtClean="0"/>
-              <a:t> Code</a:t>
+              <a:t> Python Code </a:t>
+            </a:r>
+            <a:r>
+              <a:rPr lang="de-DE" sz="2400" dirty="0" smtClean="0"/>
+              <a:t>(11239 Zeil</a:t>
+            </a:r>
+            <a:r>
+              <a:rPr lang="de-DE" sz="2400" dirty="0" smtClean="0"/>
+              <a:t>en mit Kommentaren und allen Sprachen</a:t>
+            </a:r>
+            <a:r>
+              <a:rPr lang="de-DE" sz="2400" dirty="0" smtClean="0"/>
+              <a:t>)</a:t>
             </a:r>
           </a:p>
           <a:p>
             <a:r>
               <a:rPr lang="de-DE" dirty="0" smtClean="0"/>
-              <a:t>?? Klassen</a:t>
-            </a:r>
+              <a:t>56 Klassen</a:t>
+            </a:r>
+            <a:endParaRPr lang="de-DE" dirty="0"/>
+          </a:p>
+          <a:p>
+            <a:r>
+              <a:rPr lang="de-DE" dirty="0" smtClean="0"/>
+              <a:t>Über 135 Seiten Dokumente</a:t>
+            </a:r>
+            <a:endParaRPr lang="de-DE" dirty="0"/>
           </a:p>
           <a:p>
             <a:endParaRPr lang="de-DE" dirty="0" smtClean="0"/>
@@ -10240,13 +10654,12 @@
           <a:p>
             <a:r>
               <a:rPr lang="de-DE" dirty="0" smtClean="0"/>
-              <a:t>Codeabdeckung von über 80% </a:t>
+              <a:t>Codeabdeckung von über 75%, in manchen Bereichen über 90% </a:t>
             </a:r>
             <a:r>
               <a:rPr lang="de-DE" sz="1800" dirty="0" smtClean="0"/>
               <a:t>(gemessen mit coverage.py)</a:t>
             </a:r>
-            <a:endParaRPr lang="de-DE" sz="1800" dirty="0"/>
           </a:p>
         </p:txBody>
       </p:sp>
@@ -10867,51 +11280,6 @@
       </p:sp>
       <p:sp>
         <p:nvSpPr>
-          <p:cNvPr id="3" name="Inhaltsplatzhalter 2"/>
-          <p:cNvSpPr>
-            <a:spLocks noGrp="1"/>
-          </p:cNvSpPr>
-          <p:nvPr>
-            <p:ph idx="1"/>
-          </p:nvPr>
-        </p:nvSpPr>
-        <p:spPr>
-          <a:xfrm>
-            <a:off x="-5943600" y="2819400"/>
-            <a:ext cx="5422931" cy="2687637"/>
-          </a:xfrm>
-        </p:spPr>
-        <p:txBody>
-          <a:bodyPr/>
-          <a:lstStyle/>
-          <a:p>
-            <a:r>
-              <a:rPr lang="de-DE" dirty="0" smtClean="0"/>
-              <a:t>5 Integrationstests</a:t>
-            </a:r>
-          </a:p>
-          <a:p>
-            <a:r>
-              <a:rPr lang="de-DE" dirty="0" smtClean="0"/>
-              <a:t>64 </a:t>
-            </a:r>
-            <a:r>
-              <a:rPr lang="de-DE" dirty="0" err="1" smtClean="0"/>
-              <a:t>Unittests</a:t>
-            </a:r>
-            <a:endParaRPr lang="de-DE" dirty="0" smtClean="0"/>
-          </a:p>
-          <a:p>
-            <a:r>
-              <a:rPr lang="de-DE" dirty="0" smtClean="0"/>
-              <a:t>Produktiveinsatz in realem System</a:t>
-            </a:r>
-            <a:endParaRPr lang="de-DE" dirty="0"/>
-          </a:p>
-        </p:txBody>
-      </p:sp>
-      <p:sp>
-        <p:nvSpPr>
           <p:cNvPr id="4" name="Fußzeilenplatzhalter 3"/>
           <p:cNvSpPr>
             <a:spLocks noGrp="1"/>
@@ -11472,14 +11840,14 @@
           <p:nvPr>
             <p:extLst>
               <p:ext uri="{D42A27DB-BD31-4B8C-83A1-F6EECF244321}">
-                <p14:modId xmlns:p14="http://schemas.microsoft.com/office/powerpoint/2010/main" val="3685891685"/>
+                <p14:modId xmlns:p14="http://schemas.microsoft.com/office/powerpoint/2010/main" val="1469758134"/>
               </p:ext>
             </p:extLst>
           </p:nvPr>
         </p:nvGraphicFramePr>
         <p:xfrm>
-          <a:off x="390525" y="457199"/>
-          <a:ext cx="8204766" cy="5215019"/>
+          <a:off x="390525" y="333376"/>
+          <a:ext cx="8347641" cy="5236790"/>
         </p:xfrm>
         <a:graphic>
           <a:graphicData uri="http://schemas.openxmlformats.org/drawingml/2006/diagram">
@@ -11557,51 +11925,27 @@
             <p:ph idx="1"/>
           </p:nvPr>
         </p:nvSpPr>
-        <p:spPr/>
+        <p:spPr>
+          <a:xfrm>
+            <a:off x="390525" y="2388051"/>
+            <a:ext cx="8356600" cy="2971800"/>
+          </a:xfrm>
+        </p:spPr>
         <p:txBody>
           <a:bodyPr/>
           <a:lstStyle/>
           <a:p>
+            <a:pPr marL="0" indent="0">
+              <a:buNone/>
+            </a:pPr>
             <a:r>
               <a:rPr lang="de-DE" dirty="0" smtClean="0"/>
-              <a:t>Python</a:t>
+              <a:t>Und mehr:</a:t>
             </a:r>
           </a:p>
           <a:p>
             <a:r>
-              <a:rPr lang="de-DE" dirty="0" smtClean="0"/>
-              <a:t>ROS</a:t>
-            </a:r>
-          </a:p>
-          <a:p>
-            <a:r>
               <a:rPr lang="de-DE" dirty="0" err="1" smtClean="0"/>
-              <a:t>PySide</a:t>
-            </a:r>
-            <a:r>
-              <a:rPr lang="de-DE" dirty="0" smtClean="0"/>
-              <a:t>/</a:t>
-            </a:r>
-            <a:r>
-              <a:rPr lang="de-DE" dirty="0" err="1" smtClean="0"/>
-              <a:t>PyQt</a:t>
-            </a:r>
-            <a:r>
-              <a:rPr lang="de-DE" dirty="0" smtClean="0"/>
-              <a:t> (incl. </a:t>
-            </a:r>
-            <a:r>
-              <a:rPr lang="de-DE" dirty="0" err="1" smtClean="0"/>
-              <a:t>QtLinguist</a:t>
-            </a:r>
-            <a:r>
-              <a:rPr lang="de-DE" dirty="0" smtClean="0"/>
-              <a:t>)</a:t>
-            </a:r>
-          </a:p>
-          <a:p>
-            <a:r>
-              <a:rPr lang="de-DE" dirty="0" err="1"/>
               <a:t>p</a:t>
             </a:r>
             <a:r>
@@ -11616,6 +11960,30 @@
               <a:t>pysensors</a:t>
             </a:r>
             <a:endParaRPr lang="de-DE" dirty="0" smtClean="0"/>
+          </a:p>
+          <a:p>
+            <a:r>
+              <a:rPr lang="de-DE" dirty="0" err="1" smtClean="0"/>
+              <a:t>Yaml</a:t>
+            </a:r>
+            <a:endParaRPr lang="de-DE" dirty="0" smtClean="0"/>
+          </a:p>
+          <a:p>
+            <a:r>
+              <a:rPr lang="de-DE" dirty="0" err="1" smtClean="0"/>
+              <a:t>Xml</a:t>
+            </a:r>
+            <a:endParaRPr lang="de-DE" dirty="0" smtClean="0"/>
+          </a:p>
+          <a:p>
+            <a:r>
+              <a:rPr lang="de-DE" dirty="0"/>
+              <a:t>L</a:t>
+            </a:r>
+            <a:r>
+              <a:rPr lang="de-DE" dirty="0" smtClean="0"/>
+              <a:t>atex</a:t>
+            </a:r>
           </a:p>
           <a:p>
             <a:endParaRPr lang="de-DE" dirty="0"/>
@@ -12177,6 +12545,159 @@
           </p:txBody>
         </p:sp>
       </p:grpSp>
+      <p:pic>
+        <p:nvPicPr>
+          <p:cNvPr id="5" name="Grafik 4"/>
+          <p:cNvPicPr>
+            <a:picLocks noChangeAspect="1"/>
+          </p:cNvPicPr>
+          <p:nvPr/>
+        </p:nvPicPr>
+        <p:blipFill>
+          <a:blip r:embed="rId3">
+            <a:extLst>
+              <a:ext uri="{28A0092B-C50C-407E-A947-70E740481C1C}">
+                <a14:useLocalDpi xmlns:a14="http://schemas.microsoft.com/office/drawing/2010/main" val="0"/>
+              </a:ext>
+            </a:extLst>
+          </a:blip>
+          <a:stretch>
+            <a:fillRect/>
+          </a:stretch>
+        </p:blipFill>
+        <p:spPr>
+          <a:xfrm>
+            <a:off x="5114925" y="1137778"/>
+            <a:ext cx="1895475" cy="971550"/>
+          </a:xfrm>
+          <a:prstGeom prst="rect">
+            <a:avLst/>
+          </a:prstGeom>
+        </p:spPr>
+      </p:pic>
+      <p:pic>
+        <p:nvPicPr>
+          <p:cNvPr id="1026" name="Picture 2" descr="homepage"/>
+          <p:cNvPicPr>
+            <a:picLocks noChangeAspect="1" noChangeArrowheads="1"/>
+          </p:cNvPicPr>
+          <p:nvPr/>
+        </p:nvPicPr>
+        <p:blipFill>
+          <a:blip r:embed="rId4">
+            <a:extLst>
+              <a:ext uri="{28A0092B-C50C-407E-A947-70E740481C1C}">
+                <a14:useLocalDpi xmlns:a14="http://schemas.microsoft.com/office/drawing/2010/main" val="0"/>
+              </a:ext>
+            </a:extLst>
+          </a:blip>
+          <a:srcRect/>
+          <a:stretch>
+            <a:fillRect/>
+          </a:stretch>
+        </p:blipFill>
+        <p:spPr bwMode="auto">
+          <a:xfrm>
+            <a:off x="435356" y="1275891"/>
+            <a:ext cx="2009775" cy="581026"/>
+          </a:xfrm>
+          <a:prstGeom prst="rect">
+            <a:avLst/>
+          </a:prstGeom>
+          <a:noFill/>
+          <a:extLst>
+            <a:ext uri="{909E8E84-426E-40DD-AFC4-6F175D3DCCD1}">
+              <a14:hiddenFill xmlns:a14="http://schemas.microsoft.com/office/drawing/2010/main">
+                <a:solidFill>
+                  <a:srgbClr val="FFFFFF"/>
+                </a:solidFill>
+              </a14:hiddenFill>
+            </a:ext>
+          </a:extLst>
+        </p:spPr>
+      </p:pic>
+      <p:pic>
+        <p:nvPicPr>
+          <p:cNvPr id="1028" name="Picture 4" descr="https://duckduckgo.com/i/c5682d46.png"/>
+          <p:cNvPicPr>
+            <a:picLocks noChangeAspect="1" noChangeArrowheads="1"/>
+          </p:cNvPicPr>
+          <p:nvPr/>
+        </p:nvPicPr>
+        <p:blipFill>
+          <a:blip r:embed="rId5">
+            <a:extLst>
+              <a:ext uri="{28A0092B-C50C-407E-A947-70E740481C1C}">
+                <a14:useLocalDpi xmlns:a14="http://schemas.microsoft.com/office/drawing/2010/main" val="0"/>
+              </a:ext>
+            </a:extLst>
+          </a:blip>
+          <a:srcRect/>
+          <a:stretch>
+            <a:fillRect/>
+          </a:stretch>
+        </p:blipFill>
+        <p:spPr bwMode="auto">
+          <a:xfrm>
+            <a:off x="7086600" y="1371600"/>
+            <a:ext cx="1714500" cy="581026"/>
+          </a:xfrm>
+          <a:prstGeom prst="rect">
+            <a:avLst/>
+          </a:prstGeom>
+          <a:noFill/>
+          <a:extLst>
+            <a:ext uri="{909E8E84-426E-40DD-AFC4-6F175D3DCCD1}">
+              <a14:hiddenFill xmlns:a14="http://schemas.microsoft.com/office/drawing/2010/main">
+                <a:solidFill>
+                  <a:srgbClr val="FFFFFF"/>
+                </a:solidFill>
+              </a14:hiddenFill>
+            </a:ext>
+          </a:extLst>
+        </p:spPr>
+      </p:pic>
+      <p:pic>
+        <p:nvPicPr>
+          <p:cNvPr id="1030" name="Picture 6" descr="ROS.org"/>
+          <p:cNvPicPr>
+            <a:picLocks noChangeAspect="1" noChangeArrowheads="1"/>
+          </p:cNvPicPr>
+          <p:nvPr/>
+        </p:nvPicPr>
+        <p:blipFill>
+          <a:blip r:embed="rId6">
+            <a:extLst>
+              <a:ext uri="{28A0092B-C50C-407E-A947-70E740481C1C}">
+                <a14:useLocalDpi xmlns:a14="http://schemas.microsoft.com/office/drawing/2010/main" val="0"/>
+              </a:ext>
+            </a:extLst>
+          </a:blip>
+          <a:srcRect/>
+          <a:stretch>
+            <a:fillRect/>
+          </a:stretch>
+        </p:blipFill>
+        <p:spPr bwMode="auto">
+          <a:xfrm>
+            <a:off x="2533650" y="1275891"/>
+            <a:ext cx="2419350" cy="695325"/>
+          </a:xfrm>
+          <a:prstGeom prst="rect">
+            <a:avLst/>
+          </a:prstGeom>
+          <a:noFill/>
+          <a:extLst>
+            <a:ext uri="{909E8E84-426E-40DD-AFC4-6F175D3DCCD1}">
+              <a14:hiddenFill xmlns:a14="http://schemas.microsoft.com/office/drawing/2010/main">
+                <a:solidFill>
+                  <a:srgbClr val="FFFFFF"/>
+                </a:solidFill>
+              </a14:hiddenFill>
+            </a:ext>
+          </a:extLst>
+        </p:spPr>
+      </p:pic>
     </p:spTree>
     <p:extLst>
       <p:ext uri="{BB962C8B-B14F-4D97-AF65-F5344CB8AC3E}">
@@ -12231,7 +12752,7 @@
           <a:p>
             <a:r>
               <a:rPr lang="de-DE" dirty="0" smtClean="0"/>
-              <a:t>Fazit^^</a:t>
+              <a:t>Fazit</a:t>
             </a:r>
             <a:endParaRPr lang="de-DE" dirty="0"/>
           </a:p>
@@ -12260,7 +12781,20 @@
           <a:p>
             <a:r>
               <a:rPr lang="de-DE" dirty="0" smtClean="0"/>
+              <a:t>Viel Arbeit, aber auch viel gelernt</a:t>
+            </a:r>
+            <a:endParaRPr lang="de-DE" dirty="0" smtClean="0"/>
+          </a:p>
+          <a:p>
+            <a:r>
+              <a:rPr lang="de-DE" dirty="0" smtClean="0"/>
               <a:t>Geplante Aufnahme in ROS</a:t>
+            </a:r>
+          </a:p>
+          <a:p>
+            <a:r>
+              <a:rPr lang="de-DE" dirty="0" smtClean="0"/>
+              <a:t>Spaß: </a:t>
             </a:r>
             <a:endParaRPr lang="de-DE" dirty="0" smtClean="0"/>
           </a:p>
@@ -12824,10 +13358,872 @@
           </p:txBody>
         </p:sp>
       </p:grpSp>
+      <p:pic>
+        <p:nvPicPr>
+          <p:cNvPr id="5" name="Grafik 4"/>
+          <p:cNvPicPr>
+            <a:picLocks noChangeAspect="1"/>
+          </p:cNvPicPr>
+          <p:nvPr/>
+        </p:nvPicPr>
+        <p:blipFill>
+          <a:blip r:embed="rId3">
+            <a:extLst>
+              <a:ext uri="{28A0092B-C50C-407E-A947-70E740481C1C}">
+                <a14:useLocalDpi xmlns:a14="http://schemas.microsoft.com/office/drawing/2010/main" val="0"/>
+              </a:ext>
+            </a:extLst>
+          </a:blip>
+          <a:stretch>
+            <a:fillRect/>
+          </a:stretch>
+        </p:blipFill>
+        <p:spPr>
+          <a:xfrm>
+            <a:off x="2743200" y="2895600"/>
+            <a:ext cx="5440004" cy="2809476"/>
+          </a:xfrm>
+          <a:prstGeom prst="rect">
+            <a:avLst/>
+          </a:prstGeom>
+        </p:spPr>
+      </p:pic>
     </p:spTree>
     <p:extLst>
       <p:ext uri="{BB962C8B-B14F-4D97-AF65-F5344CB8AC3E}">
         <p14:creationId xmlns:p14="http://schemas.microsoft.com/office/powerpoint/2010/main" val="1337215224"/>
+      </p:ext>
+    </p:extLst>
+  </p:cSld>
+  <p:clrMapOvr>
+    <a:masterClrMapping/>
+  </p:clrMapOvr>
+  <p:timing>
+    <p:tnLst>
+      <p:par>
+        <p:cTn id="1" dur="indefinite" restart="never" nodeType="tmRoot"/>
+      </p:par>
+    </p:tnLst>
+  </p:timing>
+</p:sld>
+</file>
+
+<file path=ppt/slides/slide6.xml><?xml version="1.0" encoding="utf-8"?>
+<p:sld xmlns:a="http://schemas.openxmlformats.org/drawingml/2006/main" xmlns:r="http://schemas.openxmlformats.org/officeDocument/2006/relationships" xmlns:p="http://schemas.openxmlformats.org/presentationml/2006/main">
+  <p:cSld>
+    <p:spTree>
+      <p:nvGrpSpPr>
+        <p:cNvPr id="1" name=""/>
+        <p:cNvGrpSpPr/>
+        <p:nvPr/>
+      </p:nvGrpSpPr>
+      <p:grpSpPr>
+        <a:xfrm>
+          <a:off x="0" y="0"/>
+          <a:ext cx="0" cy="0"/>
+          <a:chOff x="0" y="0"/>
+          <a:chExt cx="0" cy="0"/>
+        </a:xfrm>
+      </p:grpSpPr>
+      <p:sp>
+        <p:nvSpPr>
+          <p:cNvPr id="4" name="Fußzeilenplatzhalter 3"/>
+          <p:cNvSpPr>
+            <a:spLocks noGrp="1"/>
+          </p:cNvSpPr>
+          <p:nvPr>
+            <p:ph type="ftr" sz="quarter" idx="4294967295"/>
+          </p:nvPr>
+        </p:nvSpPr>
+        <p:spPr>
+          <a:xfrm>
+            <a:off x="1288027" y="6445250"/>
+            <a:ext cx="4542502" cy="360363"/>
+          </a:xfrm>
+        </p:spPr>
+        <p:txBody>
+          <a:bodyPr/>
+          <a:lstStyle/>
+          <a:p>
+            <a:r>
+              <a:rPr lang="de-DE" dirty="0" err="1"/>
+              <a:t>Advanced</a:t>
+            </a:r>
+            <a:r>
+              <a:rPr lang="de-DE" dirty="0"/>
+              <a:t> ROS Network </a:t>
+            </a:r>
+            <a:r>
+              <a:rPr lang="de-DE" dirty="0" err="1"/>
+              <a:t>Introspection</a:t>
+            </a:r>
+            <a:endParaRPr lang="de-DE" dirty="0"/>
+          </a:p>
+        </p:txBody>
+      </p:sp>
+      <p:grpSp>
+        <p:nvGrpSpPr>
+          <p:cNvPr id="18" name="Gruppieren 21"/>
+          <p:cNvGrpSpPr/>
+          <p:nvPr/>
+        </p:nvGrpSpPr>
+        <p:grpSpPr>
+          <a:xfrm>
+            <a:off x="25400" y="5986694"/>
+            <a:ext cx="9072000" cy="322630"/>
+            <a:chOff x="25400" y="5986694"/>
+            <a:chExt cx="9072000" cy="322630"/>
+          </a:xfrm>
+        </p:grpSpPr>
+        <p:sp>
+          <p:nvSpPr>
+            <p:cNvPr id="19" name="Textfeld 13"/>
+            <p:cNvSpPr txBox="1"/>
+            <p:nvPr/>
+          </p:nvSpPr>
+          <p:spPr>
+            <a:xfrm>
+              <a:off x="1745265" y="6032322"/>
+              <a:ext cx="1241045" cy="276999"/>
+            </a:xfrm>
+            <a:prstGeom prst="rect">
+              <a:avLst/>
+            </a:prstGeom>
+          </p:spPr>
+          <p:style>
+            <a:lnRef idx="2">
+              <a:schemeClr val="accent3"/>
+            </a:lnRef>
+            <a:fillRef idx="1">
+              <a:schemeClr val="lt1"/>
+            </a:fillRef>
+            <a:effectRef idx="0">
+              <a:schemeClr val="accent3"/>
+            </a:effectRef>
+            <a:fontRef idx="minor">
+              <a:schemeClr val="dk1"/>
+            </a:fontRef>
+          </p:style>
+          <p:txBody>
+            <a:bodyPr wrap="none" rtlCol="0">
+              <a:spAutoFit/>
+            </a:bodyPr>
+            <a:lstStyle/>
+            <a:p>
+              <a:r>
+                <a:rPr lang="en-US" sz="1200" dirty="0" err="1" smtClean="0"/>
+                <a:t>Funktionsweise</a:t>
+              </a:r>
+              <a:endParaRPr lang="en-US" sz="1200" dirty="0" smtClean="0"/>
+            </a:p>
+          </p:txBody>
+        </p:sp>
+        <p:sp>
+          <p:nvSpPr>
+            <p:cNvPr id="20" name="Textfeld 14"/>
+            <p:cNvSpPr txBox="1"/>
+            <p:nvPr/>
+          </p:nvSpPr>
+          <p:spPr>
+            <a:xfrm>
+              <a:off x="6573970" y="6032325"/>
+              <a:ext cx="893193" cy="276999"/>
+            </a:xfrm>
+            <a:prstGeom prst="rect">
+              <a:avLst/>
+            </a:prstGeom>
+          </p:spPr>
+          <p:style>
+            <a:lnRef idx="2">
+              <a:schemeClr val="accent3"/>
+            </a:lnRef>
+            <a:fillRef idx="1">
+              <a:schemeClr val="lt1"/>
+            </a:fillRef>
+            <a:effectRef idx="0">
+              <a:schemeClr val="accent3"/>
+            </a:effectRef>
+            <a:fontRef idx="minor">
+              <a:schemeClr val="dk1"/>
+            </a:fontRef>
+          </p:style>
+          <p:txBody>
+            <a:bodyPr wrap="none" rtlCol="0">
+              <a:spAutoFit/>
+            </a:bodyPr>
+            <a:lstStyle/>
+            <a:p>
+              <a:r>
+                <a:rPr lang="en-US" sz="1200" dirty="0" err="1" smtClean="0"/>
+                <a:t>Statistiken</a:t>
+              </a:r>
+              <a:endParaRPr lang="en-US" sz="1200" dirty="0" smtClean="0"/>
+            </a:p>
+          </p:txBody>
+        </p:sp>
+        <p:sp>
+          <p:nvSpPr>
+            <p:cNvPr id="21" name="Textfeld 20"/>
+            <p:cNvSpPr txBox="1"/>
+            <p:nvPr/>
+          </p:nvSpPr>
+          <p:spPr>
+            <a:xfrm>
+              <a:off x="3596352" y="6032323"/>
+              <a:ext cx="917239" cy="276999"/>
+            </a:xfrm>
+            <a:prstGeom prst="rect">
+              <a:avLst/>
+            </a:prstGeom>
+          </p:spPr>
+          <p:style>
+            <a:lnRef idx="2">
+              <a:schemeClr val="accent3"/>
+            </a:lnRef>
+            <a:fillRef idx="1">
+              <a:schemeClr val="lt1"/>
+            </a:fillRef>
+            <a:effectRef idx="0">
+              <a:schemeClr val="accent3"/>
+            </a:effectRef>
+            <a:fontRef idx="minor">
+              <a:schemeClr val="dk1"/>
+            </a:fontRef>
+          </p:style>
+          <p:txBody>
+            <a:bodyPr wrap="none" rtlCol="0">
+              <a:spAutoFit/>
+            </a:bodyPr>
+            <a:lstStyle/>
+            <a:p>
+              <a:r>
+                <a:rPr lang="en-US" sz="1200" dirty="0" smtClean="0"/>
+                <a:t>Live Demo</a:t>
+              </a:r>
+            </a:p>
+          </p:txBody>
+        </p:sp>
+        <p:sp>
+          <p:nvSpPr>
+            <p:cNvPr id="22" name="Textfeld 21"/>
+            <p:cNvSpPr txBox="1"/>
+            <p:nvPr/>
+          </p:nvSpPr>
+          <p:spPr>
+            <a:xfrm>
+              <a:off x="8077200" y="6031376"/>
+              <a:ext cx="535724" cy="276999"/>
+            </a:xfrm>
+            <a:prstGeom prst="rect">
+              <a:avLst/>
+            </a:prstGeom>
+            <a:ln/>
+          </p:spPr>
+          <p:style>
+            <a:lnRef idx="2">
+              <a:schemeClr val="accent3"/>
+            </a:lnRef>
+            <a:fillRef idx="1">
+              <a:schemeClr val="lt1"/>
+            </a:fillRef>
+            <a:effectRef idx="0">
+              <a:schemeClr val="accent3"/>
+            </a:effectRef>
+            <a:fontRef idx="minor">
+              <a:schemeClr val="dk1"/>
+            </a:fontRef>
+          </p:style>
+          <p:txBody>
+            <a:bodyPr wrap="none" rtlCol="0">
+              <a:spAutoFit/>
+            </a:bodyPr>
+            <a:lstStyle/>
+            <a:p>
+              <a:r>
+                <a:rPr lang="en-US" sz="1200" b="1" dirty="0" err="1" smtClean="0"/>
+                <a:t>Fazit</a:t>
+              </a:r>
+              <a:endParaRPr lang="en-US" sz="1200" b="1" dirty="0" smtClean="0"/>
+            </a:p>
+          </p:txBody>
+        </p:sp>
+        <p:sp>
+          <p:nvSpPr>
+            <p:cNvPr id="23" name="Textfeld 22"/>
+            <p:cNvSpPr txBox="1"/>
+            <p:nvPr/>
+          </p:nvSpPr>
+          <p:spPr>
+            <a:xfrm>
+              <a:off x="179512" y="6032321"/>
+              <a:ext cx="883575" cy="276999"/>
+            </a:xfrm>
+            <a:prstGeom prst="rect">
+              <a:avLst/>
+            </a:prstGeom>
+          </p:spPr>
+          <p:style>
+            <a:lnRef idx="2">
+              <a:schemeClr val="accent3"/>
+            </a:lnRef>
+            <a:fillRef idx="1">
+              <a:schemeClr val="lt1"/>
+            </a:fillRef>
+            <a:effectRef idx="0">
+              <a:schemeClr val="accent3"/>
+            </a:effectRef>
+            <a:fontRef idx="minor">
+              <a:schemeClr val="dk1"/>
+            </a:fontRef>
+          </p:style>
+          <p:txBody>
+            <a:bodyPr wrap="none" rtlCol="0">
+              <a:spAutoFit/>
+            </a:bodyPr>
+            <a:lstStyle/>
+            <a:p>
+              <a:r>
+                <a:rPr lang="en-US" sz="1200" dirty="0" smtClean="0"/>
+                <a:t>Motivation</a:t>
+              </a:r>
+            </a:p>
+          </p:txBody>
+        </p:sp>
+        <p:sp>
+          <p:nvSpPr>
+            <p:cNvPr id="24" name="Eingekerbter Richtungspfeil 23"/>
+            <p:cNvSpPr/>
+            <p:nvPr/>
+          </p:nvSpPr>
+          <p:spPr>
+            <a:xfrm>
+              <a:off x="1360996" y="6091573"/>
+              <a:ext cx="158496" cy="158496"/>
+            </a:xfrm>
+            <a:prstGeom prst="chevron">
+              <a:avLst/>
+            </a:prstGeom>
+          </p:spPr>
+          <p:style>
+            <a:lnRef idx="1">
+              <a:schemeClr val="accent4"/>
+            </a:lnRef>
+            <a:fillRef idx="2">
+              <a:schemeClr val="accent4"/>
+            </a:fillRef>
+            <a:effectRef idx="1">
+              <a:schemeClr val="accent4"/>
+            </a:effectRef>
+            <a:fontRef idx="minor">
+              <a:schemeClr val="dk1"/>
+            </a:fontRef>
+          </p:style>
+          <p:txBody>
+            <a:bodyPr rtlCol="0" anchor="ctr"/>
+            <a:lstStyle/>
+            <a:p>
+              <a:pPr algn="ctr"/>
+              <a:endParaRPr lang="de-DE">
+                <a:solidFill>
+                  <a:schemeClr val="tx1"/>
+                </a:solidFill>
+              </a:endParaRPr>
+            </a:p>
+          </p:txBody>
+        </p:sp>
+        <p:sp>
+          <p:nvSpPr>
+            <p:cNvPr id="25" name="Eingekerbter Richtungspfeil 24"/>
+            <p:cNvSpPr/>
+            <p:nvPr/>
+          </p:nvSpPr>
+          <p:spPr>
+            <a:xfrm>
+              <a:off x="3212083" y="6091574"/>
+              <a:ext cx="158496" cy="158496"/>
+            </a:xfrm>
+            <a:prstGeom prst="chevron">
+              <a:avLst/>
+            </a:prstGeom>
+          </p:spPr>
+          <p:style>
+            <a:lnRef idx="1">
+              <a:schemeClr val="accent4"/>
+            </a:lnRef>
+            <a:fillRef idx="2">
+              <a:schemeClr val="accent4"/>
+            </a:fillRef>
+            <a:effectRef idx="1">
+              <a:schemeClr val="accent4"/>
+            </a:effectRef>
+            <a:fontRef idx="minor">
+              <a:schemeClr val="dk1"/>
+            </a:fontRef>
+          </p:style>
+          <p:txBody>
+            <a:bodyPr rtlCol="0" anchor="ctr"/>
+            <a:lstStyle/>
+            <a:p>
+              <a:pPr algn="ctr"/>
+              <a:endParaRPr lang="de-DE">
+                <a:solidFill>
+                  <a:schemeClr val="tx1"/>
+                </a:solidFill>
+              </a:endParaRPr>
+            </a:p>
+          </p:txBody>
+        </p:sp>
+        <p:sp>
+          <p:nvSpPr>
+            <p:cNvPr id="26" name="Eingekerbter Richtungspfeil 25"/>
+            <p:cNvSpPr/>
+            <p:nvPr/>
+          </p:nvSpPr>
+          <p:spPr>
+            <a:xfrm>
+              <a:off x="4739364" y="6091575"/>
+              <a:ext cx="158496" cy="158496"/>
+            </a:xfrm>
+            <a:prstGeom prst="chevron">
+              <a:avLst/>
+            </a:prstGeom>
+          </p:spPr>
+          <p:style>
+            <a:lnRef idx="1">
+              <a:schemeClr val="accent4"/>
+            </a:lnRef>
+            <a:fillRef idx="2">
+              <a:schemeClr val="accent4"/>
+            </a:fillRef>
+            <a:effectRef idx="1">
+              <a:schemeClr val="accent4"/>
+            </a:effectRef>
+            <a:fontRef idx="minor">
+              <a:schemeClr val="dk1"/>
+            </a:fontRef>
+          </p:style>
+          <p:txBody>
+            <a:bodyPr rtlCol="0" anchor="ctr"/>
+            <a:lstStyle/>
+            <a:p>
+              <a:pPr algn="ctr"/>
+              <a:endParaRPr lang="de-DE">
+                <a:solidFill>
+                  <a:schemeClr val="tx1"/>
+                </a:solidFill>
+              </a:endParaRPr>
+            </a:p>
+          </p:txBody>
+        </p:sp>
+        <p:sp>
+          <p:nvSpPr>
+            <p:cNvPr id="27" name="Textfeld 26"/>
+            <p:cNvSpPr txBox="1"/>
+            <p:nvPr/>
+          </p:nvSpPr>
+          <p:spPr>
+            <a:xfrm>
+              <a:off x="5123633" y="6032324"/>
+              <a:ext cx="840295" cy="276999"/>
+            </a:xfrm>
+            <a:prstGeom prst="rect">
+              <a:avLst/>
+            </a:prstGeom>
+          </p:spPr>
+          <p:style>
+            <a:lnRef idx="2">
+              <a:schemeClr val="accent3"/>
+            </a:lnRef>
+            <a:fillRef idx="1">
+              <a:schemeClr val="lt1"/>
+            </a:fillRef>
+            <a:effectRef idx="0">
+              <a:schemeClr val="accent3"/>
+            </a:effectRef>
+            <a:fontRef idx="minor">
+              <a:schemeClr val="dk1"/>
+            </a:fontRef>
+          </p:style>
+          <p:txBody>
+            <a:bodyPr wrap="none" rtlCol="0">
+              <a:spAutoFit/>
+            </a:bodyPr>
+            <a:lstStyle/>
+            <a:p>
+              <a:r>
+                <a:rPr lang="en-US" sz="1200" dirty="0" err="1" smtClean="0"/>
+                <a:t>Probleme</a:t>
+              </a:r>
+              <a:endParaRPr lang="en-US" sz="1200" dirty="0" smtClean="0"/>
+            </a:p>
+          </p:txBody>
+        </p:sp>
+        <p:sp>
+          <p:nvSpPr>
+            <p:cNvPr id="28" name="Eingekerbter Richtungspfeil 27"/>
+            <p:cNvSpPr/>
+            <p:nvPr/>
+          </p:nvSpPr>
+          <p:spPr>
+            <a:xfrm>
+              <a:off x="7692936" y="6091577"/>
+              <a:ext cx="158496" cy="158496"/>
+            </a:xfrm>
+            <a:prstGeom prst="chevron">
+              <a:avLst/>
+            </a:prstGeom>
+          </p:spPr>
+          <p:style>
+            <a:lnRef idx="1">
+              <a:schemeClr val="accent4"/>
+            </a:lnRef>
+            <a:fillRef idx="2">
+              <a:schemeClr val="accent4"/>
+            </a:fillRef>
+            <a:effectRef idx="1">
+              <a:schemeClr val="accent4"/>
+            </a:effectRef>
+            <a:fontRef idx="minor">
+              <a:schemeClr val="dk1"/>
+            </a:fontRef>
+          </p:style>
+          <p:txBody>
+            <a:bodyPr rtlCol="0" anchor="ctr"/>
+            <a:lstStyle/>
+            <a:p>
+              <a:pPr algn="ctr"/>
+              <a:endParaRPr lang="de-DE">
+                <a:solidFill>
+                  <a:schemeClr val="tx1"/>
+                </a:solidFill>
+              </a:endParaRPr>
+            </a:p>
+          </p:txBody>
+        </p:sp>
+        <p:cxnSp>
+          <p:nvCxnSpPr>
+            <p:cNvPr id="29" name="Gerade Verbindung 28"/>
+            <p:cNvCxnSpPr/>
+            <p:nvPr/>
+          </p:nvCxnSpPr>
+          <p:spPr>
+            <a:xfrm>
+              <a:off x="25400" y="5986694"/>
+              <a:ext cx="9072000" cy="1588"/>
+            </a:xfrm>
+            <a:prstGeom prst="line">
+              <a:avLst/>
+            </a:prstGeom>
+            <a:ln w="41275">
+              <a:solidFill>
+                <a:schemeClr val="accent3">
+                  <a:lumMod val="85000"/>
+                </a:schemeClr>
+              </a:solidFill>
+            </a:ln>
+          </p:spPr>
+          <p:style>
+            <a:lnRef idx="1">
+              <a:schemeClr val="accent1"/>
+            </a:lnRef>
+            <a:fillRef idx="0">
+              <a:schemeClr val="accent1"/>
+            </a:fillRef>
+            <a:effectRef idx="0">
+              <a:schemeClr val="accent1"/>
+            </a:effectRef>
+            <a:fontRef idx="minor">
+              <a:schemeClr val="tx1"/>
+            </a:fontRef>
+          </p:style>
+        </p:cxnSp>
+        <p:sp>
+          <p:nvSpPr>
+            <p:cNvPr id="30" name="Eingekerbter Richtungspfeil 29"/>
+            <p:cNvSpPr/>
+            <p:nvPr/>
+          </p:nvSpPr>
+          <p:spPr>
+            <a:xfrm>
+              <a:off x="6189701" y="6091576"/>
+              <a:ext cx="158496" cy="158496"/>
+            </a:xfrm>
+            <a:prstGeom prst="chevron">
+              <a:avLst/>
+            </a:prstGeom>
+          </p:spPr>
+          <p:style>
+            <a:lnRef idx="1">
+              <a:schemeClr val="accent4"/>
+            </a:lnRef>
+            <a:fillRef idx="2">
+              <a:schemeClr val="accent4"/>
+            </a:fillRef>
+            <a:effectRef idx="1">
+              <a:schemeClr val="accent4"/>
+            </a:effectRef>
+            <a:fontRef idx="minor">
+              <a:schemeClr val="dk1"/>
+            </a:fontRef>
+          </p:style>
+          <p:txBody>
+            <a:bodyPr rtlCol="0" anchor="ctr"/>
+            <a:lstStyle/>
+            <a:p>
+              <a:pPr algn="ctr"/>
+              <a:endParaRPr lang="de-DE">
+                <a:solidFill>
+                  <a:schemeClr val="tx1"/>
+                </a:solidFill>
+              </a:endParaRPr>
+            </a:p>
+          </p:txBody>
+        </p:sp>
+      </p:grpSp>
+      <p:sp>
+        <p:nvSpPr>
+          <p:cNvPr id="5" name="Inhaltsplatzhalter 4"/>
+          <p:cNvSpPr>
+            <a:spLocks noGrp="1"/>
+          </p:cNvSpPr>
+          <p:nvPr>
+            <p:ph idx="1"/>
+          </p:nvPr>
+        </p:nvSpPr>
+        <p:spPr>
+          <a:xfrm>
+            <a:off x="416143" y="2180666"/>
+            <a:ext cx="8290514" cy="692477"/>
+          </a:xfrm>
+        </p:spPr>
+        <p:txBody>
+          <a:bodyPr/>
+          <a:lstStyle/>
+          <a:p>
+            <a:pPr marL="0" indent="0">
+              <a:buNone/>
+            </a:pPr>
+            <a:r>
+              <a:rPr lang="de-DE" sz="3600" b="1" dirty="0" smtClean="0"/>
+              <a:t>Vielen Dank für die Aufmerksamkeit!</a:t>
+            </a:r>
+          </a:p>
+          <a:p>
+            <a:endParaRPr lang="de-DE" sz="3600" b="1" dirty="0"/>
+          </a:p>
+        </p:txBody>
+      </p:sp>
+      <p:sp>
+        <p:nvSpPr>
+          <p:cNvPr id="31" name="Inhaltsplatzhalter 4"/>
+          <p:cNvSpPr txBox="1">
+            <a:spLocks/>
+          </p:cNvSpPr>
+          <p:nvPr/>
+        </p:nvSpPr>
+        <p:spPr bwMode="auto">
+          <a:xfrm>
+            <a:off x="3178020" y="3969657"/>
+            <a:ext cx="6181857" cy="1087437"/>
+          </a:xfrm>
+          <a:prstGeom prst="rect">
+            <a:avLst/>
+          </a:prstGeom>
+          <a:noFill/>
+          <a:ln w="9525">
+            <a:noFill/>
+            <a:miter lim="800000"/>
+            <a:headEnd/>
+            <a:tailEnd/>
+          </a:ln>
+        </p:spPr>
+        <p:txBody>
+          <a:bodyPr vert="horz" wrap="square" lIns="0" tIns="0" rIns="0" bIns="0" numCol="1" anchor="t" anchorCtr="0" compatLnSpc="1">
+            <a:prstTxWarp prst="textNoShape">
+              <a:avLst/>
+            </a:prstTxWarp>
+          </a:bodyPr>
+          <a:lstStyle>
+            <a:lvl1pPr marL="361950" indent="-361950" algn="l" rtl="0" eaLnBrk="1" fontAlgn="base" hangingPunct="1">
+              <a:spcBef>
+                <a:spcPts val="700"/>
+              </a:spcBef>
+              <a:spcAft>
+                <a:spcPct val="0"/>
+              </a:spcAft>
+              <a:buBlip>
+                <a:blip r:embed="rId3"/>
+              </a:buBlip>
+              <a:tabLst/>
+              <a:defRPr sz="2800">
+                <a:solidFill>
+                  <a:schemeClr val="tx1"/>
+                </a:solidFill>
+                <a:latin typeface="+mn-lt"/>
+                <a:ea typeface="+mn-ea"/>
+                <a:cs typeface="+mn-cs"/>
+              </a:defRPr>
+            </a:lvl1pPr>
+            <a:lvl2pPr marL="790575" indent="-396000" algn="l" rtl="0" eaLnBrk="1" fontAlgn="base" hangingPunct="1">
+              <a:spcBef>
+                <a:spcPts val="700"/>
+              </a:spcBef>
+              <a:spcAft>
+                <a:spcPct val="0"/>
+              </a:spcAft>
+              <a:buBlip>
+                <a:blip r:embed="rId4"/>
+              </a:buBlip>
+              <a:defRPr sz="2400">
+                <a:solidFill>
+                  <a:schemeClr val="tx1"/>
+                </a:solidFill>
+                <a:latin typeface="+mn-lt"/>
+              </a:defRPr>
+            </a:lvl2pPr>
+            <a:lvl3pPr marL="1209675" indent="-324000" algn="l" rtl="0" eaLnBrk="1" fontAlgn="base" hangingPunct="1">
+              <a:spcBef>
+                <a:spcPts val="700"/>
+              </a:spcBef>
+              <a:spcAft>
+                <a:spcPct val="0"/>
+              </a:spcAft>
+              <a:buBlip>
+                <a:blip r:embed="rId5"/>
+              </a:buBlip>
+              <a:defRPr sz="2000">
+                <a:solidFill>
+                  <a:schemeClr val="tx1"/>
+                </a:solidFill>
+                <a:latin typeface="+mn-lt"/>
+              </a:defRPr>
+            </a:lvl3pPr>
+            <a:lvl4pPr marL="1657350" indent="-324000" algn="l" rtl="0" eaLnBrk="1" fontAlgn="base" hangingPunct="1">
+              <a:spcBef>
+                <a:spcPts val="700"/>
+              </a:spcBef>
+              <a:spcAft>
+                <a:spcPct val="0"/>
+              </a:spcAft>
+              <a:buBlip>
+                <a:blip r:embed="rId5"/>
+              </a:buBlip>
+              <a:defRPr sz="2000">
+                <a:solidFill>
+                  <a:schemeClr val="tx1"/>
+                </a:solidFill>
+                <a:latin typeface="+mn-lt"/>
+              </a:defRPr>
+            </a:lvl4pPr>
+            <a:lvl5pPr marL="2095500" indent="-324000" algn="l" rtl="0" eaLnBrk="1" fontAlgn="base" hangingPunct="1">
+              <a:spcBef>
+                <a:spcPts val="700"/>
+              </a:spcBef>
+              <a:spcAft>
+                <a:spcPct val="0"/>
+              </a:spcAft>
+              <a:buBlip>
+                <a:blip r:embed="rId5"/>
+              </a:buBlip>
+              <a:defRPr sz="1800">
+                <a:solidFill>
+                  <a:schemeClr val="tx1"/>
+                </a:solidFill>
+                <a:latin typeface="+mn-lt"/>
+              </a:defRPr>
+            </a:lvl5pPr>
+            <a:lvl6pPr marL="2514600" indent="-228600" algn="l" rtl="0" eaLnBrk="1" fontAlgn="base" hangingPunct="1">
+              <a:spcBef>
+                <a:spcPct val="20000"/>
+              </a:spcBef>
+              <a:spcAft>
+                <a:spcPct val="0"/>
+              </a:spcAft>
+              <a:buSzPct val="60000"/>
+              <a:buBlip>
+                <a:blip r:embed="rId6"/>
+              </a:buBlip>
+              <a:defRPr sz="1400">
+                <a:solidFill>
+                  <a:schemeClr val="tx1"/>
+                </a:solidFill>
+                <a:latin typeface="+mn-lt"/>
+              </a:defRPr>
+            </a:lvl6pPr>
+            <a:lvl7pPr marL="2971800" indent="-228600" algn="l" rtl="0" eaLnBrk="1" fontAlgn="base" hangingPunct="1">
+              <a:spcBef>
+                <a:spcPct val="20000"/>
+              </a:spcBef>
+              <a:spcAft>
+                <a:spcPct val="0"/>
+              </a:spcAft>
+              <a:buSzPct val="60000"/>
+              <a:buBlip>
+                <a:blip r:embed="rId6"/>
+              </a:buBlip>
+              <a:defRPr sz="1400">
+                <a:solidFill>
+                  <a:schemeClr val="tx1"/>
+                </a:solidFill>
+                <a:latin typeface="+mn-lt"/>
+              </a:defRPr>
+            </a:lvl7pPr>
+            <a:lvl8pPr marL="3429000" indent="-228600" algn="l" rtl="0" eaLnBrk="1" fontAlgn="base" hangingPunct="1">
+              <a:spcBef>
+                <a:spcPct val="20000"/>
+              </a:spcBef>
+              <a:spcAft>
+                <a:spcPct val="0"/>
+              </a:spcAft>
+              <a:buSzPct val="60000"/>
+              <a:buBlip>
+                <a:blip r:embed="rId6"/>
+              </a:buBlip>
+              <a:defRPr sz="1400">
+                <a:solidFill>
+                  <a:schemeClr val="tx1"/>
+                </a:solidFill>
+                <a:latin typeface="+mn-lt"/>
+              </a:defRPr>
+            </a:lvl8pPr>
+            <a:lvl9pPr marL="3886200" indent="-228600" algn="l" rtl="0" eaLnBrk="1" fontAlgn="base" hangingPunct="1">
+              <a:spcBef>
+                <a:spcPct val="20000"/>
+              </a:spcBef>
+              <a:spcAft>
+                <a:spcPct val="0"/>
+              </a:spcAft>
+              <a:buSzPct val="60000"/>
+              <a:buBlip>
+                <a:blip r:embed="rId6"/>
+              </a:buBlip>
+              <a:defRPr sz="1400">
+                <a:solidFill>
+                  <a:schemeClr val="tx1"/>
+                </a:solidFill>
+                <a:latin typeface="+mn-lt"/>
+              </a:defRPr>
+            </a:lvl9pPr>
+          </a:lstStyle>
+          <a:p>
+            <a:pPr marL="0" indent="0">
+              <a:buFontTx/>
+              <a:buNone/>
+            </a:pPr>
+            <a:r>
+              <a:rPr lang="de-DE" kern="0" dirty="0" smtClean="0"/>
+              <a:t>Noch Fragen?</a:t>
+            </a:r>
+          </a:p>
+          <a:p>
+            <a:endParaRPr lang="de-DE" kern="0" dirty="0"/>
+          </a:p>
+        </p:txBody>
+      </p:sp>
+    </p:spTree>
+    <p:extLst>
+      <p:ext uri="{BB962C8B-B14F-4D97-AF65-F5344CB8AC3E}">
+        <p14:creationId xmlns:p14="http://schemas.microsoft.com/office/powerpoint/2010/main" val="306256373"/>
       </p:ext>
     </p:extLst>
   </p:cSld>

--- a/Präsentation/Abschluss.pptx
+++ b/Präsentation/Abschluss.pptx
@@ -1100,7 +1100,13 @@
             <a:rPr lang="de-DE" sz="2000" dirty="0" smtClean="0">
               <a:latin typeface="Calibri" panose="020F0502020204030204" pitchFamily="34" charset="0"/>
             </a:rPr>
-            <a:t>5 umfangreiche Integrationstests </a:t>
+            <a:t>5 umfangreiche </a:t>
+          </a:r>
+          <a:r>
+            <a:rPr lang="de-DE" sz="2000" dirty="0" smtClean="0">
+              <a:latin typeface="Calibri" panose="020F0502020204030204" pitchFamily="34" charset="0"/>
+            </a:rPr>
+            <a:t>Integrationstests simulieren unterschiedliche Situation und testen die Reaktion von ARNI</a:t>
           </a:r>
           <a:endParaRPr lang="de-DE" sz="2000" dirty="0">
             <a:latin typeface="Calibri" panose="020F0502020204030204" pitchFamily="34" charset="0"/>
@@ -1178,7 +1184,25 @@
             <a:rPr lang="de-DE" dirty="0" smtClean="0">
               <a:latin typeface="Calibri" panose="020F0502020204030204" pitchFamily="34" charset="0"/>
             </a:rPr>
-            <a:t>2 Wochen Betrieb an laufenden Systemen inkl. hoher Last und </a:t>
+            <a:t>2 Wochen Betrieb an laufenden Systemen inkl. </a:t>
+          </a:r>
+          <a:r>
+            <a:rPr lang="de-DE" dirty="0" smtClean="0">
+              <a:latin typeface="Calibri" panose="020F0502020204030204" pitchFamily="34" charset="0"/>
+            </a:rPr>
+            <a:t>Tests bei hoher </a:t>
+          </a:r>
+          <a:r>
+            <a:rPr lang="de-DE" dirty="0" smtClean="0">
+              <a:latin typeface="Calibri" panose="020F0502020204030204" pitchFamily="34" charset="0"/>
+            </a:rPr>
+            <a:t>Last und </a:t>
+          </a:r>
+          <a:r>
+            <a:rPr lang="de-DE" dirty="0" smtClean="0">
+              <a:latin typeface="Calibri" panose="020F0502020204030204" pitchFamily="34" charset="0"/>
+            </a:rPr>
+            <a:t>bei wechselnden Bedingungen</a:t>
           </a:r>
           <a:endParaRPr lang="de-DE" dirty="0">
             <a:latin typeface="Calibri" panose="020F0502020204030204" pitchFamily="34" charset="0"/>
@@ -1218,6 +1242,13 @@
         </dgm:presLayoutVars>
       </dgm:prSet>
       <dgm:spPr/>
+      <dgm:t>
+        <a:bodyPr/>
+        <a:lstStyle/>
+        <a:p>
+          <a:endParaRPr lang="de-DE"/>
+        </a:p>
+      </dgm:t>
     </dgm:pt>
     <dgm:pt modelId="{1F50340C-14F6-4354-8495-EDF950C4DE19}" type="pres">
       <dgm:prSet presAssocID="{632C20CC-2796-49A0-B4C4-8893FFF45ABC}" presName="parentText1" presStyleLbl="node1" presStyleIdx="0" presStyleCnt="3" custLinFactNeighborX="1809">
@@ -1228,6 +1259,13 @@
         </dgm:presLayoutVars>
       </dgm:prSet>
       <dgm:spPr/>
+      <dgm:t>
+        <a:bodyPr/>
+        <a:lstStyle/>
+        <a:p>
+          <a:endParaRPr lang="de-DE"/>
+        </a:p>
+      </dgm:t>
     </dgm:pt>
     <dgm:pt modelId="{FB60094E-AFD1-48C2-A725-6CADFF010833}" type="pres">
       <dgm:prSet presAssocID="{632C20CC-2796-49A0-B4C4-8893FFF45ABC}" presName="childText1" presStyleLbl="solidAlignAcc1" presStyleIdx="0" presStyleCnt="3" custScaleX="89899" custScaleY="140774" custLinFactNeighborX="-515" custLinFactNeighborY="21382">
@@ -1238,6 +1276,13 @@
         </dgm:presLayoutVars>
       </dgm:prSet>
       <dgm:spPr/>
+      <dgm:t>
+        <a:bodyPr/>
+        <a:lstStyle/>
+        <a:p>
+          <a:endParaRPr lang="de-DE"/>
+        </a:p>
+      </dgm:t>
     </dgm:pt>
     <dgm:pt modelId="{5C009BEF-9AE1-44F8-9498-086E41BE914F}" type="pres">
       <dgm:prSet presAssocID="{ECA0B6BB-25B2-4239-BE39-F5E25E778B31}" presName="parentText2" presStyleLbl="node1" presStyleIdx="1" presStyleCnt="3" custScaleX="103560" custLinFactNeighborX="834">
@@ -1309,19 +1354,19 @@
     </dgm:pt>
   </dgm:ptLst>
   <dgm:cxnLst>
+    <dgm:cxn modelId="{B3C69E49-C061-4CAF-8A9B-F008A8DA0CFF}" type="presOf" srcId="{884A6EDC-BF8E-45AD-8114-6ABBB6E78C79}" destId="{FB60094E-AFD1-48C2-A725-6CADFF010833}" srcOrd="0" destOrd="0" presId="urn:microsoft.com/office/officeart/2009/3/layout/IncreasingArrowsProcess"/>
+    <dgm:cxn modelId="{3E51F1D8-6C06-4D55-8431-782980337887}" type="presOf" srcId="{ECA0B6BB-25B2-4239-BE39-F5E25E778B31}" destId="{5C009BEF-9AE1-44F8-9498-086E41BE914F}" srcOrd="0" destOrd="0" presId="urn:microsoft.com/office/officeart/2009/3/layout/IncreasingArrowsProcess"/>
+    <dgm:cxn modelId="{6B4B94EC-8398-4D43-A95A-79C701DAC82B}" type="presOf" srcId="{632C20CC-2796-49A0-B4C4-8893FFF45ABC}" destId="{1F50340C-14F6-4354-8495-EDF950C4DE19}" srcOrd="0" destOrd="0" presId="urn:microsoft.com/office/officeart/2009/3/layout/IncreasingArrowsProcess"/>
+    <dgm:cxn modelId="{C3EB735E-C606-470D-AB13-A98F41D93985}" type="presOf" srcId="{3D5BCB20-E9B9-4540-83C5-106CCE43F577}" destId="{EADE1234-9DA3-44BA-A34F-9DD574CC60AC}" srcOrd="0" destOrd="0" presId="urn:microsoft.com/office/officeart/2009/3/layout/IncreasingArrowsProcess"/>
+    <dgm:cxn modelId="{BF508064-F09D-43F8-B7FE-61FE8756A0DB}" type="presOf" srcId="{5A6CA812-D5C4-4569-8781-33B968646D42}" destId="{D952B32A-5CA3-48FB-90D3-149C86DD28E1}" srcOrd="0" destOrd="0" presId="urn:microsoft.com/office/officeart/2009/3/layout/IncreasingArrowsProcess"/>
+    <dgm:cxn modelId="{72E038B8-FD4E-4AAD-B629-FA370230BE3C}" type="presOf" srcId="{2DEDE937-1B48-41B2-BF28-AD469DF13B8C}" destId="{DBFEC673-2395-4CB8-8A9F-CC1C19A7D6D5}" srcOrd="0" destOrd="0" presId="urn:microsoft.com/office/officeart/2009/3/layout/IncreasingArrowsProcess"/>
+    <dgm:cxn modelId="{C9C2BE5D-9F11-439B-B5C1-E5BC1803D31C}" srcId="{2DEDE937-1B48-41B2-BF28-AD469DF13B8C}" destId="{ECA0B6BB-25B2-4239-BE39-F5E25E778B31}" srcOrd="1" destOrd="0" parTransId="{646C2F6E-5BA3-4620-B2EA-F37E69B76A6B}" sibTransId="{EF7DD201-5B4C-42D8-A9CF-7F28196E93E4}"/>
+    <dgm:cxn modelId="{7CF5A4E9-C3AB-4EAD-B590-72B27F9DFC23}" srcId="{2DEDE937-1B48-41B2-BF28-AD469DF13B8C}" destId="{632C20CC-2796-49A0-B4C4-8893FFF45ABC}" srcOrd="0" destOrd="0" parTransId="{8EB6CE98-3322-4E8D-A984-0277932AFC08}" sibTransId="{D63F3C10-2E5C-4061-8327-B9CC96A523FF}"/>
+    <dgm:cxn modelId="{5AE3B0B1-D095-4784-B6FE-4CEEE75FC54A}" srcId="{ECA0B6BB-25B2-4239-BE39-F5E25E778B31}" destId="{C5255B20-5F56-4EF3-8EAA-97C8EDBDC8D4}" srcOrd="0" destOrd="0" parTransId="{202FC689-4D6F-4CFF-AF0E-7149F122CE78}" sibTransId="{6CA7653B-AAA2-4611-BC75-AAF14B3CBCF7}"/>
+    <dgm:cxn modelId="{D3F3859D-3597-42BC-AB79-0C73452C8C3C}" type="presOf" srcId="{C5255B20-5F56-4EF3-8EAA-97C8EDBDC8D4}" destId="{84D26449-79F3-4D82-99BB-08373A2D32AE}" srcOrd="0" destOrd="0" presId="urn:microsoft.com/office/officeart/2009/3/layout/IncreasingArrowsProcess"/>
     <dgm:cxn modelId="{BE30A4F9-5BA4-42BB-B7C8-1A70EE60FEC3}" srcId="{632C20CC-2796-49A0-B4C4-8893FFF45ABC}" destId="{884A6EDC-BF8E-45AD-8114-6ABBB6E78C79}" srcOrd="0" destOrd="0" parTransId="{D75BC201-FEE2-4050-8569-B69C0F6DCAF3}" sibTransId="{B3EC1082-379B-457B-A63D-F3617AA85E68}"/>
-    <dgm:cxn modelId="{BF508064-F09D-43F8-B7FE-61FE8756A0DB}" type="presOf" srcId="{5A6CA812-D5C4-4569-8781-33B968646D42}" destId="{D952B32A-5CA3-48FB-90D3-149C86DD28E1}" srcOrd="0" destOrd="0" presId="urn:microsoft.com/office/officeart/2009/3/layout/IncreasingArrowsProcess"/>
-    <dgm:cxn modelId="{5AE3B0B1-D095-4784-B6FE-4CEEE75FC54A}" srcId="{ECA0B6BB-25B2-4239-BE39-F5E25E778B31}" destId="{C5255B20-5F56-4EF3-8EAA-97C8EDBDC8D4}" srcOrd="0" destOrd="0" parTransId="{202FC689-4D6F-4CFF-AF0E-7149F122CE78}" sibTransId="{6CA7653B-AAA2-4611-BC75-AAF14B3CBCF7}"/>
-    <dgm:cxn modelId="{72E038B8-FD4E-4AAD-B629-FA370230BE3C}" type="presOf" srcId="{2DEDE937-1B48-41B2-BF28-AD469DF13B8C}" destId="{DBFEC673-2395-4CB8-8A9F-CC1C19A7D6D5}" srcOrd="0" destOrd="0" presId="urn:microsoft.com/office/officeart/2009/3/layout/IncreasingArrowsProcess"/>
     <dgm:cxn modelId="{6CEE436B-DAB3-471F-B2CF-97AFB0004625}" srcId="{5A6CA812-D5C4-4569-8781-33B968646D42}" destId="{3D5BCB20-E9B9-4540-83C5-106CCE43F577}" srcOrd="0" destOrd="0" parTransId="{BA344A48-B2AB-4043-BB55-7A9B5A8420D9}" sibTransId="{F3649771-0FF9-4F32-BE81-3BA01DCFA0FC}"/>
-    <dgm:cxn modelId="{C3EB735E-C606-470D-AB13-A98F41D93985}" type="presOf" srcId="{3D5BCB20-E9B9-4540-83C5-106CCE43F577}" destId="{EADE1234-9DA3-44BA-A34F-9DD574CC60AC}" srcOrd="0" destOrd="0" presId="urn:microsoft.com/office/officeart/2009/3/layout/IncreasingArrowsProcess"/>
-    <dgm:cxn modelId="{B3C69E49-C061-4CAF-8A9B-F008A8DA0CFF}" type="presOf" srcId="{884A6EDC-BF8E-45AD-8114-6ABBB6E78C79}" destId="{FB60094E-AFD1-48C2-A725-6CADFF010833}" srcOrd="0" destOrd="0" presId="urn:microsoft.com/office/officeart/2009/3/layout/IncreasingArrowsProcess"/>
     <dgm:cxn modelId="{ED20FBB9-7ACD-49F0-8A20-2A5EDF26B6DB}" srcId="{2DEDE937-1B48-41B2-BF28-AD469DF13B8C}" destId="{5A6CA812-D5C4-4569-8781-33B968646D42}" srcOrd="2" destOrd="0" parTransId="{542F1A0F-E82D-430D-BF12-B061F6FE3C27}" sibTransId="{5C9D0CD5-B7FE-4282-A4BE-189B940B88EC}"/>
-    <dgm:cxn modelId="{7CF5A4E9-C3AB-4EAD-B590-72B27F9DFC23}" srcId="{2DEDE937-1B48-41B2-BF28-AD469DF13B8C}" destId="{632C20CC-2796-49A0-B4C4-8893FFF45ABC}" srcOrd="0" destOrd="0" parTransId="{8EB6CE98-3322-4E8D-A984-0277932AFC08}" sibTransId="{D63F3C10-2E5C-4061-8327-B9CC96A523FF}"/>
-    <dgm:cxn modelId="{6B4B94EC-8398-4D43-A95A-79C701DAC82B}" type="presOf" srcId="{632C20CC-2796-49A0-B4C4-8893FFF45ABC}" destId="{1F50340C-14F6-4354-8495-EDF950C4DE19}" srcOrd="0" destOrd="0" presId="urn:microsoft.com/office/officeart/2009/3/layout/IncreasingArrowsProcess"/>
-    <dgm:cxn modelId="{3E51F1D8-6C06-4D55-8431-782980337887}" type="presOf" srcId="{ECA0B6BB-25B2-4239-BE39-F5E25E778B31}" destId="{5C009BEF-9AE1-44F8-9498-086E41BE914F}" srcOrd="0" destOrd="0" presId="urn:microsoft.com/office/officeart/2009/3/layout/IncreasingArrowsProcess"/>
-    <dgm:cxn modelId="{D3F3859D-3597-42BC-AB79-0C73452C8C3C}" type="presOf" srcId="{C5255B20-5F56-4EF3-8EAA-97C8EDBDC8D4}" destId="{84D26449-79F3-4D82-99BB-08373A2D32AE}" srcOrd="0" destOrd="0" presId="urn:microsoft.com/office/officeart/2009/3/layout/IncreasingArrowsProcess"/>
-    <dgm:cxn modelId="{C9C2BE5D-9F11-439B-B5C1-E5BC1803D31C}" srcId="{2DEDE937-1B48-41B2-BF28-AD469DF13B8C}" destId="{ECA0B6BB-25B2-4239-BE39-F5E25E778B31}" srcOrd="1" destOrd="0" parTransId="{646C2F6E-5BA3-4620-B2EA-F37E69B76A6B}" sibTransId="{EF7DD201-5B4C-42D8-A9CF-7F28196E93E4}"/>
     <dgm:cxn modelId="{09504FDC-BD92-40E2-AE65-C1501EEF445F}" type="presParOf" srcId="{DBFEC673-2395-4CB8-8A9F-CC1C19A7D6D5}" destId="{1F50340C-14F6-4354-8495-EDF950C4DE19}" srcOrd="0" destOrd="0" presId="urn:microsoft.com/office/officeart/2009/3/layout/IncreasingArrowsProcess"/>
     <dgm:cxn modelId="{2DDE8190-B785-49D8-A8EE-B88B37D77DBA}" type="presParOf" srcId="{DBFEC673-2395-4CB8-8A9F-CC1C19A7D6D5}" destId="{FB60094E-AFD1-48C2-A725-6CADFF010833}" srcOrd="1" destOrd="0" presId="urn:microsoft.com/office/officeart/2009/3/layout/IncreasingArrowsProcess"/>
     <dgm:cxn modelId="{3BEAE65A-4429-4F8C-A9B8-47A6030E003A}" type="presParOf" srcId="{DBFEC673-2395-4CB8-8A9F-CC1C19A7D6D5}" destId="{5C009BEF-9AE1-44F8-9498-086E41BE914F}" srcOrd="2" destOrd="0" presId="urn:microsoft.com/office/officeart/2009/3/layout/IncreasingArrowsProcess"/>
@@ -1717,7 +1762,13 @@
             <a:rPr lang="de-DE" sz="2000" kern="1200" dirty="0" smtClean="0">
               <a:latin typeface="Calibri" panose="020F0502020204030204" pitchFamily="34" charset="0"/>
             </a:rPr>
-            <a:t>5 umfangreiche Integrationstests </a:t>
+            <a:t>5 umfangreiche </a:t>
+          </a:r>
+          <a:r>
+            <a:rPr lang="de-DE" sz="2000" kern="1200" dirty="0" smtClean="0">
+              <a:latin typeface="Calibri" panose="020F0502020204030204" pitchFamily="34" charset="0"/>
+            </a:rPr>
+            <a:t>Integrationstests simulieren unterschiedliche Situation und testen die Reaktion von ARNI</a:t>
           </a:r>
           <a:endParaRPr lang="de-DE" sz="2000" kern="1200" dirty="0">
             <a:latin typeface="Calibri" panose="020F0502020204030204" pitchFamily="34" charset="0"/>
@@ -1908,7 +1959,25 @@
             <a:rPr lang="de-DE" sz="2000" kern="1200" dirty="0" smtClean="0">
               <a:latin typeface="Calibri" panose="020F0502020204030204" pitchFamily="34" charset="0"/>
             </a:rPr>
-            <a:t>2 Wochen Betrieb an laufenden Systemen inkl. hoher Last und </a:t>
+            <a:t>2 Wochen Betrieb an laufenden Systemen inkl. </a:t>
+          </a:r>
+          <a:r>
+            <a:rPr lang="de-DE" sz="2000" kern="1200" dirty="0" smtClean="0">
+              <a:latin typeface="Calibri" panose="020F0502020204030204" pitchFamily="34" charset="0"/>
+            </a:rPr>
+            <a:t>Tests bei hoher </a:t>
+          </a:r>
+          <a:r>
+            <a:rPr lang="de-DE" sz="2000" kern="1200" dirty="0" smtClean="0">
+              <a:latin typeface="Calibri" panose="020F0502020204030204" pitchFamily="34" charset="0"/>
+            </a:rPr>
+            <a:t>Last und </a:t>
+          </a:r>
+          <a:r>
+            <a:rPr lang="de-DE" sz="2000" kern="1200" dirty="0" smtClean="0">
+              <a:latin typeface="Calibri" panose="020F0502020204030204" pitchFamily="34" charset="0"/>
+            </a:rPr>
+            <a:t>bei wechselnden Bedingungen</a:t>
           </a:r>
           <a:endParaRPr lang="de-DE" sz="2000" kern="1200" dirty="0">
             <a:latin typeface="Calibri" panose="020F0502020204030204" pitchFamily="34" charset="0"/>
@@ -5676,178 +5745,6 @@
           </a:bodyPr>
           <a:lstStyle/>
           <a:p>
-            <a:r>
-              <a:rPr lang="en-GB" baseline="0" dirty="0" smtClean="0"/>
-              <a:t>Das </a:t>
-            </a:r>
-            <a:r>
-              <a:rPr lang="en-GB" baseline="0" dirty="0" err="1" smtClean="0"/>
-              <a:t>aktuelle</a:t>
-            </a:r>
-            <a:r>
-              <a:rPr lang="en-GB" baseline="0" dirty="0" smtClean="0"/>
-              <a:t> </a:t>
-            </a:r>
-            <a:r>
-              <a:rPr lang="en-GB" baseline="0" dirty="0" err="1" smtClean="0"/>
-              <a:t>Kapitel</a:t>
-            </a:r>
-            <a:r>
-              <a:rPr lang="en-GB" baseline="0" dirty="0" smtClean="0"/>
-              <a:t> </a:t>
-            </a:r>
-            <a:r>
-              <a:rPr lang="en-GB" baseline="0" dirty="0" err="1" smtClean="0"/>
-              <a:t>sollte</a:t>
-            </a:r>
-            <a:r>
-              <a:rPr lang="en-GB" baseline="0" dirty="0" smtClean="0"/>
-              <a:t> </a:t>
-            </a:r>
-            <a:r>
-              <a:rPr lang="en-GB" baseline="0" dirty="0" err="1" smtClean="0"/>
-              <a:t>fettgedruckt</a:t>
-            </a:r>
-            <a:r>
-              <a:rPr lang="en-GB" baseline="0" dirty="0" smtClean="0"/>
-              <a:t> </a:t>
-            </a:r>
-            <a:r>
-              <a:rPr lang="en-GB" baseline="0" dirty="0" err="1" smtClean="0"/>
-              <a:t>werden</a:t>
-            </a:r>
-            <a:r>
-              <a:rPr lang="en-GB" baseline="0" dirty="0" smtClean="0"/>
-              <a:t>. Den </a:t>
-            </a:r>
-            <a:r>
-              <a:rPr lang="en-GB" baseline="0" dirty="0" err="1" smtClean="0"/>
-              <a:t>Abstand</a:t>
-            </a:r>
-            <a:r>
-              <a:rPr lang="en-GB" baseline="0" dirty="0" smtClean="0"/>
-              <a:t> </a:t>
-            </a:r>
-            <a:r>
-              <a:rPr lang="en-GB" baseline="0" dirty="0" err="1" smtClean="0"/>
-              <a:t>der</a:t>
-            </a:r>
-            <a:r>
-              <a:rPr lang="en-GB" baseline="0" dirty="0" smtClean="0"/>
-              <a:t> </a:t>
-            </a:r>
-            <a:r>
-              <a:rPr lang="en-GB" baseline="0" dirty="0" err="1" smtClean="0"/>
-              <a:t>Worte</a:t>
-            </a:r>
-            <a:r>
-              <a:rPr lang="en-GB" baseline="0" dirty="0" smtClean="0"/>
-              <a:t> </a:t>
-            </a:r>
-            <a:r>
-              <a:rPr lang="en-GB" baseline="0" dirty="0" err="1" smtClean="0"/>
-              <a:t>kann</a:t>
-            </a:r>
-            <a:r>
-              <a:rPr lang="en-GB" baseline="0" dirty="0" smtClean="0"/>
-              <a:t> man gut in PowerPoint an </a:t>
-            </a:r>
-            <a:r>
-              <a:rPr lang="en-GB" baseline="0" dirty="0" err="1" smtClean="0"/>
-              <a:t>andere</a:t>
-            </a:r>
-            <a:r>
-              <a:rPr lang="en-GB" baseline="0" dirty="0" smtClean="0"/>
-              <a:t> </a:t>
-            </a:r>
-            <a:r>
-              <a:rPr lang="en-GB" baseline="0" dirty="0" err="1" smtClean="0"/>
-              <a:t>Wortlängen</a:t>
-            </a:r>
-            <a:r>
-              <a:rPr lang="en-GB" baseline="0" dirty="0" smtClean="0"/>
-              <a:t> </a:t>
-            </a:r>
-            <a:r>
-              <a:rPr lang="en-GB" baseline="0" dirty="0" err="1" smtClean="0"/>
-              <a:t>anpassen</a:t>
-            </a:r>
-            <a:r>
-              <a:rPr lang="en-GB" baseline="0" dirty="0" smtClean="0"/>
-              <a:t>, </a:t>
-            </a:r>
-            <a:r>
-              <a:rPr lang="en-GB" baseline="0" dirty="0" err="1" smtClean="0"/>
-              <a:t>dazu</a:t>
-            </a:r>
-            <a:r>
-              <a:rPr lang="en-GB" baseline="0" dirty="0" smtClean="0"/>
-              <a:t> </a:t>
-            </a:r>
-            <a:r>
-              <a:rPr lang="en-GB" baseline="0" dirty="0" err="1" smtClean="0"/>
-              <a:t>alle</a:t>
-            </a:r>
-            <a:r>
-              <a:rPr lang="en-GB" baseline="0" dirty="0" smtClean="0"/>
-              <a:t> </a:t>
-            </a:r>
-            <a:r>
-              <a:rPr lang="en-GB" baseline="0" dirty="0" err="1" smtClean="0"/>
-              <a:t>Worte</a:t>
-            </a:r>
-            <a:r>
-              <a:rPr lang="en-GB" baseline="0" dirty="0" smtClean="0"/>
-              <a:t> und die </a:t>
-            </a:r>
-            <a:r>
-              <a:rPr lang="en-GB" baseline="0" dirty="0" err="1" smtClean="0"/>
-              <a:t>Pfeile</a:t>
-            </a:r>
-            <a:r>
-              <a:rPr lang="en-GB" baseline="0" dirty="0" smtClean="0"/>
-              <a:t> </a:t>
-            </a:r>
-            <a:r>
-              <a:rPr lang="en-GB" baseline="0" dirty="0" err="1" smtClean="0"/>
-              <a:t>markieren</a:t>
-            </a:r>
-            <a:r>
-              <a:rPr lang="en-GB" baseline="0" dirty="0" smtClean="0"/>
-              <a:t> und “</a:t>
-            </a:r>
-            <a:r>
-              <a:rPr lang="en-GB" baseline="0" dirty="0" err="1" smtClean="0"/>
-              <a:t>Anordnen</a:t>
-            </a:r>
-            <a:r>
-              <a:rPr lang="en-GB" baseline="0" dirty="0" smtClean="0"/>
-              <a:t> -&gt; </a:t>
-            </a:r>
-            <a:r>
-              <a:rPr lang="en-GB" baseline="0" dirty="0" err="1" smtClean="0"/>
-              <a:t>Ausrichten</a:t>
-            </a:r>
-            <a:r>
-              <a:rPr lang="en-GB" baseline="0" dirty="0" smtClean="0"/>
-              <a:t> -&gt; Horizontal </a:t>
-            </a:r>
-            <a:r>
-              <a:rPr lang="en-GB" baseline="0" dirty="0" err="1" smtClean="0"/>
-              <a:t>verteilen</a:t>
-            </a:r>
-            <a:r>
-              <a:rPr lang="en-GB" baseline="0" dirty="0" smtClean="0"/>
-              <a:t>”  </a:t>
-            </a:r>
-            <a:r>
-              <a:rPr lang="en-GB" baseline="0" dirty="0" err="1" smtClean="0"/>
-              <a:t>auswählen</a:t>
-            </a:r>
-            <a:r>
-              <a:rPr lang="en-GB" baseline="0" dirty="0" smtClean="0"/>
-              <a:t> (PowerPoint2007). </a:t>
-            </a:r>
             <a:endParaRPr lang="en-GB" dirty="0"/>
           </a:p>
         </p:txBody>
@@ -9833,85 +9730,72 @@
             </a:r>
             <a:r>
               <a:rPr lang="de-DE" dirty="0" smtClean="0"/>
-              <a:t> </a:t>
-            </a:r>
-            <a:r>
-              <a:rPr lang="de-DE" u="sng" dirty="0" smtClean="0"/>
-              <a:t>gefunden</a:t>
+              <a:t> gefunden </a:t>
+            </a:r>
+            <a:r>
+              <a:rPr lang="de-DE" baseline="30000" dirty="0" smtClean="0"/>
+              <a:t>1</a:t>
+            </a:r>
+          </a:p>
+          <a:p>
+            <a:r>
+              <a:rPr lang="de-DE" dirty="0"/>
+              <a:t>Segmentation </a:t>
+            </a:r>
+            <a:r>
+              <a:rPr lang="de-DE" dirty="0" err="1"/>
+              <a:t>Faults</a:t>
+            </a:r>
+            <a:r>
+              <a:rPr lang="de-DE" dirty="0"/>
+              <a:t> mit </a:t>
+            </a:r>
+            <a:r>
+              <a:rPr lang="de-DE" dirty="0" err="1"/>
+              <a:t>PySide</a:t>
+            </a:r>
+            <a:r>
+              <a:rPr lang="de-DE" dirty="0"/>
+              <a:t>/</a:t>
+            </a:r>
+            <a:r>
+              <a:rPr lang="de-DE" dirty="0" err="1"/>
+              <a:t>PyQt</a:t>
+            </a:r>
+            <a:r>
+              <a:rPr lang="de-DE" dirty="0"/>
+              <a:t> (ein Bug gefunden</a:t>
+            </a:r>
+            <a:r>
+              <a:rPr lang="de-DE" dirty="0" smtClean="0"/>
+              <a:t>)</a:t>
+            </a:r>
+          </a:p>
+          <a:p>
+            <a:r>
+              <a:rPr lang="de-DE" dirty="0" smtClean="0"/>
+              <a:t>Schlecht dokumentierte </a:t>
+            </a:r>
+            <a:r>
+              <a:rPr lang="de-DE" dirty="0" err="1" smtClean="0"/>
+              <a:t>API‘s</a:t>
+            </a:r>
+            <a:r>
+              <a:rPr lang="de-DE" dirty="0" smtClean="0"/>
+              <a:t> z.B. </a:t>
+            </a:r>
+            <a:r>
+              <a:rPr lang="de-DE" dirty="0" err="1" smtClean="0"/>
+              <a:t>pyqtgraph</a:t>
             </a:r>
             <a:r>
               <a:rPr lang="de-DE" dirty="0" smtClean="0"/>
               <a:t> </a:t>
             </a:r>
             <a:r>
-              <a:rPr lang="de-DE" baseline="30000" dirty="0" smtClean="0"/>
-              <a:t>1</a:t>
-            </a:r>
-          </a:p>
-          <a:p>
-            <a:r>
-              <a:rPr lang="de-DE" dirty="0"/>
-              <a:t>Segmentation </a:t>
-            </a:r>
-            <a:r>
-              <a:rPr lang="de-DE" dirty="0" err="1"/>
-              <a:t>Faults</a:t>
-            </a:r>
-            <a:r>
-              <a:rPr lang="de-DE" dirty="0"/>
-              <a:t> mit </a:t>
-            </a:r>
-            <a:r>
-              <a:rPr lang="de-DE" dirty="0" err="1"/>
-              <a:t>PySide</a:t>
-            </a:r>
-            <a:r>
-              <a:rPr lang="de-DE" dirty="0"/>
-              <a:t>/</a:t>
-            </a:r>
-            <a:r>
-              <a:rPr lang="de-DE" dirty="0" err="1"/>
-              <a:t>PyQt</a:t>
-            </a:r>
-            <a:r>
-              <a:rPr lang="de-DE" dirty="0"/>
-              <a:t> (ein Bug gefunden</a:t>
-            </a:r>
-            <a:r>
-              <a:rPr lang="de-DE" dirty="0" smtClean="0"/>
-              <a:t>)</a:t>
-            </a:r>
-          </a:p>
-          <a:p>
-            <a:r>
-              <a:rPr lang="de-DE" dirty="0" smtClean="0"/>
-              <a:t>Schlecht dokumentierte </a:t>
-            </a:r>
-            <a:r>
-              <a:rPr lang="de-DE" dirty="0" err="1" smtClean="0"/>
-              <a:t>API‘s</a:t>
-            </a:r>
-            <a:r>
-              <a:rPr lang="de-DE" dirty="0" smtClean="0"/>
-              <a:t> z.B. </a:t>
-            </a:r>
-            <a:r>
-              <a:rPr lang="de-DE" dirty="0" err="1" smtClean="0"/>
-              <a:t>pyqtgraph</a:t>
-            </a:r>
-            <a:r>
-              <a:rPr lang="de-DE" dirty="0" smtClean="0"/>
-              <a:t> </a:t>
-            </a:r>
-            <a:r>
               <a:rPr lang="de-DE" sz="1800" dirty="0" smtClean="0"/>
-              <a:t>(Funktionen nicht aufgeführt ode</a:t>
-            </a:r>
-            <a:r>
-              <a:rPr lang="de-DE" sz="1800" dirty="0" smtClean="0"/>
-              <a:t>r Funktionsweise unzureichend erklärt)</a:t>
-            </a:r>
-            <a:endParaRPr lang="de-DE" sz="1800" dirty="0" smtClean="0"/>
+              <a:t>(Funktionen nicht aufgeführt oder Funktionsweise unzureichend erklärt)</a:t>
+            </a:r>
           </a:p>
           <a:p>
             <a:r>
@@ -10527,10 +10411,7 @@
               </a:rPr>
               <a:t>github.com/ros/ros_comm/issues/501</a:t>
             </a:r>
-            <a:r>
-              <a:rPr lang="de-DE" dirty="0" smtClean="0"/>
-              <a:t>wwwwaaadw</a:t>
-            </a:r>
+            <a:endParaRPr lang="de-DE" dirty="0" smtClean="0"/>
           </a:p>
         </p:txBody>
       </p:sp>
@@ -10623,15 +10504,7 @@
             </a:r>
             <a:r>
               <a:rPr lang="de-DE" sz="2400" dirty="0" smtClean="0"/>
-              <a:t>(11239 Zeil</a:t>
-            </a:r>
-            <a:r>
-              <a:rPr lang="de-DE" sz="2400" dirty="0" smtClean="0"/>
-              <a:t>en mit Kommentaren und allen Sprachen</a:t>
-            </a:r>
-            <a:r>
-              <a:rPr lang="de-DE" sz="2400" dirty="0" smtClean="0"/>
-              <a:t>)</a:t>
+              <a:t>(11239 Zeilen mit Kommentaren und allen Sprachen)</a:t>
             </a:r>
           </a:p>
           <a:p>
@@ -11840,7 +11713,7 @@
           <p:nvPr>
             <p:extLst>
               <p:ext uri="{D42A27DB-BD31-4B8C-83A1-F6EECF244321}">
-                <p14:modId xmlns:p14="http://schemas.microsoft.com/office/powerpoint/2010/main" val="1469758134"/>
+                <p14:modId xmlns:p14="http://schemas.microsoft.com/office/powerpoint/2010/main" val="2384223582"/>
               </p:ext>
             </p:extLst>
           </p:nvPr>
@@ -11927,7 +11800,7 @@
         </p:nvSpPr>
         <p:spPr>
           <a:xfrm>
-            <a:off x="390525" y="2388051"/>
+            <a:off x="390525" y="2286000"/>
             <a:ext cx="8356600" cy="2971800"/>
           </a:xfrm>
         </p:spPr>
@@ -11940,17 +11813,25 @@
             </a:pPr>
             <a:r>
               <a:rPr lang="de-DE" dirty="0" smtClean="0"/>
-              <a:t>Und mehr:</a:t>
-            </a:r>
+              <a:t>Und mehr</a:t>
+            </a:r>
+            <a:r>
+              <a:rPr lang="de-DE" dirty="0" smtClean="0"/>
+              <a:t>:</a:t>
+            </a:r>
+            <a:endParaRPr lang="de-DE" dirty="0" smtClean="0"/>
           </a:p>
           <a:p>
             <a:r>
               <a:rPr lang="de-DE" dirty="0" err="1" smtClean="0"/>
-              <a:t>p</a:t>
-            </a:r>
+              <a:t>psutil</a:t>
+            </a:r>
+            <a:endParaRPr lang="de-DE" dirty="0" smtClean="0"/>
+          </a:p>
+          <a:p>
             <a:r>
               <a:rPr lang="de-DE" dirty="0" err="1" smtClean="0"/>
-              <a:t>yqtgraph</a:t>
+              <a:t>pyqtgraph</a:t>
             </a:r>
             <a:endParaRPr lang="de-DE" dirty="0" smtClean="0"/>
           </a:p>
@@ -12783,7 +12664,6 @@
               <a:rPr lang="de-DE" dirty="0" smtClean="0"/>
               <a:t>Viel Arbeit, aber auch viel gelernt</a:t>
             </a:r>
-            <a:endParaRPr lang="de-DE" dirty="0" smtClean="0"/>
           </a:p>
           <a:p>
             <a:r>
@@ -12796,7 +12676,6 @@
               <a:rPr lang="de-DE" dirty="0" smtClean="0"/>
               <a:t>Spaß: </a:t>
             </a:r>
-            <a:endParaRPr lang="de-DE" dirty="0" smtClean="0"/>
           </a:p>
           <a:p>
             <a:endParaRPr lang="de-DE" dirty="0"/>
@@ -13380,12 +13259,53 @@
         </p:blipFill>
         <p:spPr>
           <a:xfrm>
-            <a:off x="2743200" y="2895600"/>
-            <a:ext cx="5440004" cy="2809476"/>
+            <a:off x="595899" y="3397806"/>
+            <a:ext cx="4424557" cy="2285051"/>
           </a:xfrm>
           <a:prstGeom prst="rect">
             <a:avLst/>
           </a:prstGeom>
+        </p:spPr>
+      </p:pic>
+      <p:pic>
+        <p:nvPicPr>
+          <p:cNvPr id="1026" name="Picture 2" descr="http://puu.sh/bNPgn/6c03a72c5b.png"/>
+          <p:cNvPicPr>
+            <a:picLocks noChangeAspect="1" noChangeArrowheads="1"/>
+          </p:cNvPicPr>
+          <p:nvPr/>
+        </p:nvPicPr>
+        <p:blipFill>
+          <a:blip r:embed="rId4" cstate="print">
+            <a:extLst>
+              <a:ext uri="{28A0092B-C50C-407E-A947-70E740481C1C}">
+                <a14:useLocalDpi xmlns:a14="http://schemas.microsoft.com/office/drawing/2010/main" val="0"/>
+              </a:ext>
+            </a:extLst>
+          </a:blip>
+          <a:srcRect/>
+          <a:stretch>
+            <a:fillRect/>
+          </a:stretch>
+        </p:blipFill>
+        <p:spPr bwMode="auto">
+          <a:xfrm>
+            <a:off x="3596352" y="2796648"/>
+            <a:ext cx="5237731" cy="1743684"/>
+          </a:xfrm>
+          <a:prstGeom prst="rect">
+            <a:avLst/>
+          </a:prstGeom>
+          <a:noFill/>
+          <a:extLst>
+            <a:ext uri="{909E8E84-426E-40DD-AFC4-6F175D3DCCD1}">
+              <a14:hiddenFill xmlns:a14="http://schemas.microsoft.com/office/drawing/2010/main">
+                <a:solidFill>
+                  <a:srgbClr val="FFFFFF"/>
+                </a:solidFill>
+              </a14:hiddenFill>
+            </a:ext>
+          </a:extLst>
         </p:spPr>
       </p:pic>
     </p:spTree>
